--- a/Отчёты/Торговый терминал.pptx
+++ b/Отчёты/Торговый терминал.pptx
@@ -21,6 +21,8 @@
     <p:sldId id="266" r:id="rId16"/>
     <p:sldId id="267" r:id="rId17"/>
     <p:sldId id="268" r:id="rId18"/>
+    <p:sldId id="269" r:id="rId19"/>
+    <p:sldId id="270" r:id="rId20"/>
   </p:sldIdLst>
   <p:sldSz cy="5143500" cx="9144000"/>
   <p:notesSz cy="9144000" cx="6858000"/>
@@ -473,7 +475,7 @@
   <p:cSld>
     <p:spTree>
       <p:nvGrpSpPr>
-        <p:cNvPr id="95" name="Shape 95"/>
+        <p:cNvPr id="98" name="Shape 98"/>
         <p:cNvGrpSpPr/>
         <p:nvPr/>
       </p:nvGrpSpPr>
@@ -487,7 +489,7 @@
       </p:grpSpPr>
       <p:sp>
         <p:nvSpPr>
-          <p:cNvPr id="96" name="Shape 96"/>
+          <p:cNvPr id="99" name="Shape 99"/>
           <p:cNvSpPr/>
           <p:nvPr>
             <p:ph idx="2" type="sldImg"/>
@@ -521,7 +523,7 @@
       </p:sp>
       <p:sp>
         <p:nvSpPr>
-          <p:cNvPr id="97" name="Shape 97"/>
+          <p:cNvPr id="100" name="Shape 100"/>
           <p:cNvSpPr txBox="1"/>
           <p:nvPr>
             <p:ph idx="1" type="body"/>
@@ -568,7 +570,7 @@
   <p:cSld>
     <p:spTree>
       <p:nvGrpSpPr>
-        <p:cNvPr id="102" name="Shape 102"/>
+        <p:cNvPr id="105" name="Shape 105"/>
         <p:cNvGrpSpPr/>
         <p:nvPr/>
       </p:nvGrpSpPr>
@@ -582,7 +584,7 @@
       </p:grpSpPr>
       <p:sp>
         <p:nvSpPr>
-          <p:cNvPr id="103" name="Shape 103"/>
+          <p:cNvPr id="106" name="Shape 106"/>
           <p:cNvSpPr/>
           <p:nvPr>
             <p:ph idx="2" type="sldImg"/>
@@ -616,7 +618,7 @@
       </p:sp>
       <p:sp>
         <p:nvSpPr>
-          <p:cNvPr id="104" name="Shape 104"/>
+          <p:cNvPr id="107" name="Shape 107"/>
           <p:cNvSpPr txBox="1"/>
           <p:nvPr>
             <p:ph idx="1" type="body"/>
@@ -663,7 +665,7 @@
   <p:cSld>
     <p:spTree>
       <p:nvGrpSpPr>
-        <p:cNvPr id="109" name="Shape 109"/>
+        <p:cNvPr id="113" name="Shape 113"/>
         <p:cNvGrpSpPr/>
         <p:nvPr/>
       </p:nvGrpSpPr>
@@ -677,7 +679,7 @@
       </p:grpSpPr>
       <p:sp>
         <p:nvSpPr>
-          <p:cNvPr id="110" name="Shape 110"/>
+          <p:cNvPr id="114" name="Shape 114"/>
           <p:cNvSpPr/>
           <p:nvPr>
             <p:ph idx="2" type="sldImg"/>
@@ -711,7 +713,7 @@
       </p:sp>
       <p:sp>
         <p:nvSpPr>
-          <p:cNvPr id="111" name="Shape 111"/>
+          <p:cNvPr id="115" name="Shape 115"/>
           <p:cNvSpPr txBox="1"/>
           <p:nvPr>
             <p:ph idx="1" type="body"/>
@@ -758,7 +760,7 @@
   <p:cSld>
     <p:spTree>
       <p:nvGrpSpPr>
-        <p:cNvPr id="117" name="Shape 117"/>
+        <p:cNvPr id="120" name="Shape 120"/>
         <p:cNvGrpSpPr/>
         <p:nvPr/>
       </p:nvGrpSpPr>
@@ -772,7 +774,7 @@
       </p:grpSpPr>
       <p:sp>
         <p:nvSpPr>
-          <p:cNvPr id="118" name="Shape 118"/>
+          <p:cNvPr id="121" name="Shape 121"/>
           <p:cNvSpPr/>
           <p:nvPr>
             <p:ph idx="2" type="sldImg"/>
@@ -806,7 +808,7 @@
       </p:sp>
       <p:sp>
         <p:nvSpPr>
-          <p:cNvPr id="119" name="Shape 119"/>
+          <p:cNvPr id="122" name="Shape 122"/>
           <p:cNvSpPr txBox="1"/>
           <p:nvPr>
             <p:ph idx="1" type="body"/>
@@ -848,12 +850,12 @@
 </p:notes>
 </file>
 
-<file path=ppt/notesSlides/notesSlide2.xml><?xml version="1.0" encoding="utf-8"?>
+<file path=ppt/notesSlides/notesSlide14.xml><?xml version="1.0" encoding="utf-8"?>
 <p:notes xmlns:a="http://schemas.openxmlformats.org/drawingml/2006/main" xmlns:r="http://schemas.openxmlformats.org/officeDocument/2006/relationships" xmlns:mc="http://schemas.openxmlformats.org/markup-compatibility/2006" xmlns:mv="urn:schemas-microsoft-com:mac:vml" xmlns:p="http://schemas.openxmlformats.org/presentationml/2006/main" xmlns:c="http://schemas.openxmlformats.org/drawingml/2006/chart" xmlns:dgm="http://schemas.openxmlformats.org/drawingml/2006/diagram" xmlns:o="urn:schemas-microsoft-com:office:office" xmlns:v="urn:schemas-microsoft-com:vml" xmlns:pvml="urn:schemas-microsoft-com:office:powerpoint" xmlns:com="http://schemas.openxmlformats.org/drawingml/2006/compatibility" xmlns:p14="http://schemas.microsoft.com/office/powerpoint/2010/main" showMasterSp="0" showMasterPhAnim="0">
   <p:cSld>
     <p:spTree>
       <p:nvGrpSpPr>
-        <p:cNvPr id="35" name="Shape 35"/>
+        <p:cNvPr id="127" name="Shape 127"/>
         <p:cNvGrpSpPr/>
         <p:nvPr/>
       </p:nvGrpSpPr>
@@ -867,7 +869,7 @@
       </p:grpSpPr>
       <p:sp>
         <p:nvSpPr>
-          <p:cNvPr id="36" name="Shape 36"/>
+          <p:cNvPr id="128" name="Shape 128"/>
           <p:cNvSpPr/>
           <p:nvPr>
             <p:ph idx="2" type="sldImg"/>
@@ -901,7 +903,7 @@
       </p:sp>
       <p:sp>
         <p:nvSpPr>
-          <p:cNvPr id="37" name="Shape 37"/>
+          <p:cNvPr id="129" name="Shape 129"/>
           <p:cNvSpPr txBox="1"/>
           <p:nvPr>
             <p:ph idx="1" type="body"/>
@@ -943,12 +945,12 @@
 </p:notes>
 </file>
 
-<file path=ppt/notesSlides/notesSlide3.xml><?xml version="1.0" encoding="utf-8"?>
+<file path=ppt/notesSlides/notesSlide15.xml><?xml version="1.0" encoding="utf-8"?>
 <p:notes xmlns:a="http://schemas.openxmlformats.org/drawingml/2006/main" xmlns:r="http://schemas.openxmlformats.org/officeDocument/2006/relationships" xmlns:mc="http://schemas.openxmlformats.org/markup-compatibility/2006" xmlns:mv="urn:schemas-microsoft-com:mac:vml" xmlns:p="http://schemas.openxmlformats.org/presentationml/2006/main" xmlns:c="http://schemas.openxmlformats.org/drawingml/2006/chart" xmlns:dgm="http://schemas.openxmlformats.org/drawingml/2006/diagram" xmlns:o="urn:schemas-microsoft-com:office:office" xmlns:v="urn:schemas-microsoft-com:vml" xmlns:pvml="urn:schemas-microsoft-com:office:powerpoint" xmlns:com="http://schemas.openxmlformats.org/drawingml/2006/compatibility" xmlns:p14="http://schemas.microsoft.com/office/powerpoint/2010/main" showMasterSp="0" showMasterPhAnim="0">
   <p:cSld>
     <p:spTree>
       <p:nvGrpSpPr>
-        <p:cNvPr id="42" name="Shape 42"/>
+        <p:cNvPr id="135" name="Shape 135"/>
         <p:cNvGrpSpPr/>
         <p:nvPr/>
       </p:nvGrpSpPr>
@@ -962,7 +964,7 @@
       </p:grpSpPr>
       <p:sp>
         <p:nvSpPr>
-          <p:cNvPr id="43" name="Shape 43"/>
+          <p:cNvPr id="136" name="Shape 136"/>
           <p:cNvSpPr/>
           <p:nvPr>
             <p:ph idx="2" type="sldImg"/>
@@ -996,7 +998,7 @@
       </p:sp>
       <p:sp>
         <p:nvSpPr>
-          <p:cNvPr id="44" name="Shape 44"/>
+          <p:cNvPr id="137" name="Shape 137"/>
           <p:cNvSpPr txBox="1"/>
           <p:nvPr>
             <p:ph idx="1" type="body"/>
@@ -1038,12 +1040,12 @@
 </p:notes>
 </file>
 
-<file path=ppt/notesSlides/notesSlide4.xml><?xml version="1.0" encoding="utf-8"?>
+<file path=ppt/notesSlides/notesSlide2.xml><?xml version="1.0" encoding="utf-8"?>
 <p:notes xmlns:a="http://schemas.openxmlformats.org/drawingml/2006/main" xmlns:r="http://schemas.openxmlformats.org/officeDocument/2006/relationships" xmlns:mc="http://schemas.openxmlformats.org/markup-compatibility/2006" xmlns:mv="urn:schemas-microsoft-com:mac:vml" xmlns:p="http://schemas.openxmlformats.org/presentationml/2006/main" xmlns:c="http://schemas.openxmlformats.org/drawingml/2006/chart" xmlns:dgm="http://schemas.openxmlformats.org/drawingml/2006/diagram" xmlns:o="urn:schemas-microsoft-com:office:office" xmlns:v="urn:schemas-microsoft-com:vml" xmlns:pvml="urn:schemas-microsoft-com:office:powerpoint" xmlns:com="http://schemas.openxmlformats.org/drawingml/2006/compatibility" xmlns:p14="http://schemas.microsoft.com/office/powerpoint/2010/main" showMasterSp="0" showMasterPhAnim="0">
   <p:cSld>
     <p:spTree>
       <p:nvGrpSpPr>
-        <p:cNvPr id="51" name="Shape 51"/>
+        <p:cNvPr id="31" name="Shape 31"/>
         <p:cNvGrpSpPr/>
         <p:nvPr/>
       </p:nvGrpSpPr>
@@ -1057,7 +1059,7 @@
       </p:grpSpPr>
       <p:sp>
         <p:nvSpPr>
-          <p:cNvPr id="52" name="Shape 52"/>
+          <p:cNvPr id="32" name="Shape 32"/>
           <p:cNvSpPr/>
           <p:nvPr>
             <p:ph idx="2" type="sldImg"/>
@@ -1091,7 +1093,7 @@
       </p:sp>
       <p:sp>
         <p:nvSpPr>
-          <p:cNvPr id="53" name="Shape 53"/>
+          <p:cNvPr id="33" name="Shape 33"/>
           <p:cNvSpPr txBox="1"/>
           <p:nvPr>
             <p:ph idx="1" type="body"/>
@@ -1133,12 +1135,12 @@
 </p:notes>
 </file>
 
-<file path=ppt/notesSlides/notesSlide5.xml><?xml version="1.0" encoding="utf-8"?>
+<file path=ppt/notesSlides/notesSlide3.xml><?xml version="1.0" encoding="utf-8"?>
 <p:notes xmlns:a="http://schemas.openxmlformats.org/drawingml/2006/main" xmlns:r="http://schemas.openxmlformats.org/officeDocument/2006/relationships" xmlns:mc="http://schemas.openxmlformats.org/markup-compatibility/2006" xmlns:mv="urn:schemas-microsoft-com:mac:vml" xmlns:p="http://schemas.openxmlformats.org/presentationml/2006/main" xmlns:c="http://schemas.openxmlformats.org/drawingml/2006/chart" xmlns:dgm="http://schemas.openxmlformats.org/drawingml/2006/diagram" xmlns:o="urn:schemas-microsoft-com:office:office" xmlns:v="urn:schemas-microsoft-com:vml" xmlns:pvml="urn:schemas-microsoft-com:office:powerpoint" xmlns:com="http://schemas.openxmlformats.org/drawingml/2006/compatibility" xmlns:p14="http://schemas.microsoft.com/office/powerpoint/2010/main" showMasterSp="0" showMasterPhAnim="0">
   <p:cSld>
     <p:spTree>
       <p:nvGrpSpPr>
-        <p:cNvPr id="58" name="Shape 58"/>
+        <p:cNvPr id="43" name="Shape 43"/>
         <p:cNvGrpSpPr/>
         <p:nvPr/>
       </p:nvGrpSpPr>
@@ -1152,7 +1154,7 @@
       </p:grpSpPr>
       <p:sp>
         <p:nvSpPr>
-          <p:cNvPr id="59" name="Shape 59"/>
+          <p:cNvPr id="44" name="Shape 44"/>
           <p:cNvSpPr/>
           <p:nvPr>
             <p:ph idx="2" type="sldImg"/>
@@ -1186,7 +1188,7 @@
       </p:sp>
       <p:sp>
         <p:nvSpPr>
-          <p:cNvPr id="60" name="Shape 60"/>
+          <p:cNvPr id="45" name="Shape 45"/>
           <p:cNvSpPr txBox="1"/>
           <p:nvPr>
             <p:ph idx="1" type="body"/>
@@ -1228,12 +1230,12 @@
 </p:notes>
 </file>
 
-<file path=ppt/notesSlides/notesSlide6.xml><?xml version="1.0" encoding="utf-8"?>
+<file path=ppt/notesSlides/notesSlide4.xml><?xml version="1.0" encoding="utf-8"?>
 <p:notes xmlns:a="http://schemas.openxmlformats.org/drawingml/2006/main" xmlns:r="http://schemas.openxmlformats.org/officeDocument/2006/relationships" xmlns:mc="http://schemas.openxmlformats.org/markup-compatibility/2006" xmlns:mv="urn:schemas-microsoft-com:mac:vml" xmlns:p="http://schemas.openxmlformats.org/presentationml/2006/main" xmlns:c="http://schemas.openxmlformats.org/drawingml/2006/chart" xmlns:dgm="http://schemas.openxmlformats.org/drawingml/2006/diagram" xmlns:o="urn:schemas-microsoft-com:office:office" xmlns:v="urn:schemas-microsoft-com:vml" xmlns:pvml="urn:schemas-microsoft-com:office:powerpoint" xmlns:com="http://schemas.openxmlformats.org/drawingml/2006/compatibility" xmlns:p14="http://schemas.microsoft.com/office/powerpoint/2010/main" showMasterSp="0" showMasterPhAnim="0">
   <p:cSld>
     <p:spTree>
       <p:nvGrpSpPr>
-        <p:cNvPr id="66" name="Shape 66"/>
+        <p:cNvPr id="53" name="Shape 53"/>
         <p:cNvGrpSpPr/>
         <p:nvPr/>
       </p:nvGrpSpPr>
@@ -1247,7 +1249,7 @@
       </p:grpSpPr>
       <p:sp>
         <p:nvSpPr>
-          <p:cNvPr id="67" name="Shape 67"/>
+          <p:cNvPr id="54" name="Shape 54"/>
           <p:cNvSpPr/>
           <p:nvPr>
             <p:ph idx="2" type="sldImg"/>
@@ -1281,7 +1283,7 @@
       </p:sp>
       <p:sp>
         <p:nvSpPr>
-          <p:cNvPr id="68" name="Shape 68"/>
+          <p:cNvPr id="55" name="Shape 55"/>
           <p:cNvSpPr txBox="1"/>
           <p:nvPr>
             <p:ph idx="1" type="body"/>
@@ -1323,12 +1325,12 @@
 </p:notes>
 </file>
 
-<file path=ppt/notesSlides/notesSlide7.xml><?xml version="1.0" encoding="utf-8"?>
+<file path=ppt/notesSlides/notesSlide5.xml><?xml version="1.0" encoding="utf-8"?>
 <p:notes xmlns:a="http://schemas.openxmlformats.org/drawingml/2006/main" xmlns:r="http://schemas.openxmlformats.org/officeDocument/2006/relationships" xmlns:mc="http://schemas.openxmlformats.org/markup-compatibility/2006" xmlns:mv="urn:schemas-microsoft-com:mac:vml" xmlns:p="http://schemas.openxmlformats.org/presentationml/2006/main" xmlns:c="http://schemas.openxmlformats.org/drawingml/2006/chart" xmlns:dgm="http://schemas.openxmlformats.org/drawingml/2006/diagram" xmlns:o="urn:schemas-microsoft-com:office:office" xmlns:v="urn:schemas-microsoft-com:vml" xmlns:pvml="urn:schemas-microsoft-com:office:powerpoint" xmlns:com="http://schemas.openxmlformats.org/drawingml/2006/compatibility" xmlns:p14="http://schemas.microsoft.com/office/powerpoint/2010/main" showMasterSp="0" showMasterPhAnim="0">
   <p:cSld>
     <p:spTree>
       <p:nvGrpSpPr>
-        <p:cNvPr id="73" name="Shape 73"/>
+        <p:cNvPr id="60" name="Shape 60"/>
         <p:cNvGrpSpPr/>
         <p:nvPr/>
       </p:nvGrpSpPr>
@@ -1342,7 +1344,7 @@
       </p:grpSpPr>
       <p:sp>
         <p:nvSpPr>
-          <p:cNvPr id="74" name="Shape 74"/>
+          <p:cNvPr id="61" name="Shape 61"/>
           <p:cNvSpPr/>
           <p:nvPr>
             <p:ph idx="2" type="sldImg"/>
@@ -1376,7 +1378,7 @@
       </p:sp>
       <p:sp>
         <p:nvSpPr>
-          <p:cNvPr id="75" name="Shape 75"/>
+          <p:cNvPr id="62" name="Shape 62"/>
           <p:cNvSpPr txBox="1"/>
           <p:nvPr>
             <p:ph idx="1" type="body"/>
@@ -1418,12 +1420,12 @@
 </p:notes>
 </file>
 
-<file path=ppt/notesSlides/notesSlide8.xml><?xml version="1.0" encoding="utf-8"?>
+<file path=ppt/notesSlides/notesSlide6.xml><?xml version="1.0" encoding="utf-8"?>
 <p:notes xmlns:a="http://schemas.openxmlformats.org/drawingml/2006/main" xmlns:r="http://schemas.openxmlformats.org/officeDocument/2006/relationships" xmlns:mc="http://schemas.openxmlformats.org/markup-compatibility/2006" xmlns:mv="urn:schemas-microsoft-com:mac:vml" xmlns:p="http://schemas.openxmlformats.org/presentationml/2006/main" xmlns:c="http://schemas.openxmlformats.org/drawingml/2006/chart" xmlns:dgm="http://schemas.openxmlformats.org/drawingml/2006/diagram" xmlns:o="urn:schemas-microsoft-com:office:office" xmlns:v="urn:schemas-microsoft-com:vml" xmlns:pvml="urn:schemas-microsoft-com:office:powerpoint" xmlns:com="http://schemas.openxmlformats.org/drawingml/2006/compatibility" xmlns:p14="http://schemas.microsoft.com/office/powerpoint/2010/main" showMasterSp="0" showMasterPhAnim="0">
   <p:cSld>
     <p:spTree>
       <p:nvGrpSpPr>
-        <p:cNvPr id="80" name="Shape 80"/>
+        <p:cNvPr id="69" name="Shape 69"/>
         <p:cNvGrpSpPr/>
         <p:nvPr/>
       </p:nvGrpSpPr>
@@ -1437,7 +1439,7 @@
       </p:grpSpPr>
       <p:sp>
         <p:nvSpPr>
-          <p:cNvPr id="81" name="Shape 81"/>
+          <p:cNvPr id="70" name="Shape 70"/>
           <p:cNvSpPr/>
           <p:nvPr>
             <p:ph idx="2" type="sldImg"/>
@@ -1471,7 +1473,7 @@
       </p:sp>
       <p:sp>
         <p:nvSpPr>
-          <p:cNvPr id="82" name="Shape 82"/>
+          <p:cNvPr id="71" name="Shape 71"/>
           <p:cNvSpPr txBox="1"/>
           <p:nvPr>
             <p:ph idx="1" type="body"/>
@@ -1513,12 +1515,12 @@
 </p:notes>
 </file>
 
-<file path=ppt/notesSlides/notesSlide9.xml><?xml version="1.0" encoding="utf-8"?>
+<file path=ppt/notesSlides/notesSlide7.xml><?xml version="1.0" encoding="utf-8"?>
 <p:notes xmlns:a="http://schemas.openxmlformats.org/drawingml/2006/main" xmlns:r="http://schemas.openxmlformats.org/officeDocument/2006/relationships" xmlns:mc="http://schemas.openxmlformats.org/markup-compatibility/2006" xmlns:mv="urn:schemas-microsoft-com:mac:vml" xmlns:p="http://schemas.openxmlformats.org/presentationml/2006/main" xmlns:c="http://schemas.openxmlformats.org/drawingml/2006/chart" xmlns:dgm="http://schemas.openxmlformats.org/drawingml/2006/diagram" xmlns:o="urn:schemas-microsoft-com:office:office" xmlns:v="urn:schemas-microsoft-com:vml" xmlns:pvml="urn:schemas-microsoft-com:office:powerpoint" xmlns:com="http://schemas.openxmlformats.org/drawingml/2006/compatibility" xmlns:p14="http://schemas.microsoft.com/office/powerpoint/2010/main" showMasterSp="0" showMasterPhAnim="0">
   <p:cSld>
     <p:spTree>
       <p:nvGrpSpPr>
-        <p:cNvPr id="87" name="Shape 87"/>
+        <p:cNvPr id="76" name="Shape 76"/>
         <p:cNvGrpSpPr/>
         <p:nvPr/>
       </p:nvGrpSpPr>
@@ -1532,7 +1534,7 @@
       </p:grpSpPr>
       <p:sp>
         <p:nvSpPr>
-          <p:cNvPr id="88" name="Shape 88"/>
+          <p:cNvPr id="77" name="Shape 77"/>
           <p:cNvSpPr/>
           <p:nvPr>
             <p:ph idx="2" type="sldImg"/>
@@ -1566,7 +1568,197 @@
       </p:sp>
       <p:sp>
         <p:nvSpPr>
-          <p:cNvPr id="89" name="Shape 89"/>
+          <p:cNvPr id="78" name="Shape 78"/>
+          <p:cNvSpPr txBox="1"/>
+          <p:nvPr>
+            <p:ph idx="1" type="body"/>
+          </p:nvPr>
+        </p:nvSpPr>
+        <p:spPr>
+          <a:xfrm>
+            <a:off y="4343400" x="685800"/>
+            <a:ext cy="4114800" cx="5486399"/>
+          </a:xfrm>
+          <a:prstGeom prst="rect">
+            <a:avLst/>
+          </a:prstGeom>
+        </p:spPr>
+        <p:txBody>
+          <a:bodyPr bIns="91425" rIns="91425" lIns="91425" tIns="91425" anchor="t" anchorCtr="0">
+            <a:noAutofit/>
+          </a:bodyPr>
+          <a:lstStyle/>
+          <a:p>
+            <a:pPr>
+              <a:spcBef>
+                <a:spcPts val="0"/>
+              </a:spcBef>
+              <a:buNone/>
+            </a:pPr>
+            <a:r>
+              <a:t/>
+            </a:r>
+            <a:endParaRPr/>
+          </a:p>
+        </p:txBody>
+      </p:sp>
+    </p:spTree>
+  </p:cSld>
+  <p:clrMapOvr>
+    <a:masterClrMapping/>
+  </p:clrMapOvr>
+</p:notes>
+</file>
+
+<file path=ppt/notesSlides/notesSlide8.xml><?xml version="1.0" encoding="utf-8"?>
+<p:notes xmlns:a="http://schemas.openxmlformats.org/drawingml/2006/main" xmlns:r="http://schemas.openxmlformats.org/officeDocument/2006/relationships" xmlns:mc="http://schemas.openxmlformats.org/markup-compatibility/2006" xmlns:mv="urn:schemas-microsoft-com:mac:vml" xmlns:p="http://schemas.openxmlformats.org/presentationml/2006/main" xmlns:c="http://schemas.openxmlformats.org/drawingml/2006/chart" xmlns:dgm="http://schemas.openxmlformats.org/drawingml/2006/diagram" xmlns:o="urn:schemas-microsoft-com:office:office" xmlns:v="urn:schemas-microsoft-com:vml" xmlns:pvml="urn:schemas-microsoft-com:office:powerpoint" xmlns:com="http://schemas.openxmlformats.org/drawingml/2006/compatibility" xmlns:p14="http://schemas.microsoft.com/office/powerpoint/2010/main" showMasterSp="0" showMasterPhAnim="0">
+  <p:cSld>
+    <p:spTree>
+      <p:nvGrpSpPr>
+        <p:cNvPr id="84" name="Shape 84"/>
+        <p:cNvGrpSpPr/>
+        <p:nvPr/>
+      </p:nvGrpSpPr>
+      <p:grpSpPr>
+        <a:xfrm>
+          <a:off y="0" x="0"/>
+          <a:ext cy="0" cx="0"/>
+          <a:chOff y="0" x="0"/>
+          <a:chExt cy="0" cx="0"/>
+        </a:xfrm>
+      </p:grpSpPr>
+      <p:sp>
+        <p:nvSpPr>
+          <p:cNvPr id="85" name="Shape 85"/>
+          <p:cNvSpPr/>
+          <p:nvPr>
+            <p:ph idx="2" type="sldImg"/>
+          </p:nvPr>
+        </p:nvSpPr>
+        <p:spPr>
+          <a:xfrm>
+            <a:off y="685800" x="381187"/>
+            <a:ext cy="3429000" cx="6096299"/>
+          </a:xfrm>
+          <a:custGeom>
+            <a:pathLst>
+              <a:path w="120000" extrusionOk="0" h="120000">
+                <a:moveTo>
+                  <a:pt y="0" x="0"/>
+                </a:moveTo>
+                <a:lnTo>
+                  <a:pt y="0" x="120000"/>
+                </a:lnTo>
+                <a:lnTo>
+                  <a:pt y="120000" x="120000"/>
+                </a:lnTo>
+                <a:lnTo>
+                  <a:pt y="120000" x="0"/>
+                </a:lnTo>
+                <a:close/>
+              </a:path>
+            </a:pathLst>
+          </a:custGeom>
+        </p:spPr>
+      </p:sp>
+      <p:sp>
+        <p:nvSpPr>
+          <p:cNvPr id="86" name="Shape 86"/>
+          <p:cNvSpPr txBox="1"/>
+          <p:nvPr>
+            <p:ph idx="1" type="body"/>
+          </p:nvPr>
+        </p:nvSpPr>
+        <p:spPr>
+          <a:xfrm>
+            <a:off y="4343400" x="685800"/>
+            <a:ext cy="4114800" cx="5486399"/>
+          </a:xfrm>
+          <a:prstGeom prst="rect">
+            <a:avLst/>
+          </a:prstGeom>
+        </p:spPr>
+        <p:txBody>
+          <a:bodyPr bIns="91425" rIns="91425" lIns="91425" tIns="91425" anchor="t" anchorCtr="0">
+            <a:noAutofit/>
+          </a:bodyPr>
+          <a:lstStyle/>
+          <a:p>
+            <a:pPr>
+              <a:spcBef>
+                <a:spcPts val="0"/>
+              </a:spcBef>
+              <a:buNone/>
+            </a:pPr>
+            <a:r>
+              <a:t/>
+            </a:r>
+            <a:endParaRPr/>
+          </a:p>
+        </p:txBody>
+      </p:sp>
+    </p:spTree>
+  </p:cSld>
+  <p:clrMapOvr>
+    <a:masterClrMapping/>
+  </p:clrMapOvr>
+</p:notes>
+</file>
+
+<file path=ppt/notesSlides/notesSlide9.xml><?xml version="1.0" encoding="utf-8"?>
+<p:notes xmlns:a="http://schemas.openxmlformats.org/drawingml/2006/main" xmlns:r="http://schemas.openxmlformats.org/officeDocument/2006/relationships" xmlns:mc="http://schemas.openxmlformats.org/markup-compatibility/2006" xmlns:mv="urn:schemas-microsoft-com:mac:vml" xmlns:p="http://schemas.openxmlformats.org/presentationml/2006/main" xmlns:c="http://schemas.openxmlformats.org/drawingml/2006/chart" xmlns:dgm="http://schemas.openxmlformats.org/drawingml/2006/diagram" xmlns:o="urn:schemas-microsoft-com:office:office" xmlns:v="urn:schemas-microsoft-com:vml" xmlns:pvml="urn:schemas-microsoft-com:office:powerpoint" xmlns:com="http://schemas.openxmlformats.org/drawingml/2006/compatibility" xmlns:p14="http://schemas.microsoft.com/office/powerpoint/2010/main" showMasterSp="0" showMasterPhAnim="0">
+  <p:cSld>
+    <p:spTree>
+      <p:nvGrpSpPr>
+        <p:cNvPr id="91" name="Shape 91"/>
+        <p:cNvGrpSpPr/>
+        <p:nvPr/>
+      </p:nvGrpSpPr>
+      <p:grpSpPr>
+        <a:xfrm>
+          <a:off y="0" x="0"/>
+          <a:ext cy="0" cx="0"/>
+          <a:chOff y="0" x="0"/>
+          <a:chExt cy="0" cx="0"/>
+        </a:xfrm>
+      </p:grpSpPr>
+      <p:sp>
+        <p:nvSpPr>
+          <p:cNvPr id="92" name="Shape 92"/>
+          <p:cNvSpPr/>
+          <p:nvPr>
+            <p:ph idx="2" type="sldImg"/>
+          </p:nvPr>
+        </p:nvSpPr>
+        <p:spPr>
+          <a:xfrm>
+            <a:off y="685800" x="381187"/>
+            <a:ext cy="3429000" cx="6096299"/>
+          </a:xfrm>
+          <a:custGeom>
+            <a:pathLst>
+              <a:path w="120000" extrusionOk="0" h="120000">
+                <a:moveTo>
+                  <a:pt y="0" x="0"/>
+                </a:moveTo>
+                <a:lnTo>
+                  <a:pt y="0" x="120000"/>
+                </a:lnTo>
+                <a:lnTo>
+                  <a:pt y="120000" x="120000"/>
+                </a:lnTo>
+                <a:lnTo>
+                  <a:pt y="120000" x="0"/>
+                </a:lnTo>
+                <a:close/>
+              </a:path>
+            </a:pathLst>
+          </a:custGeom>
+        </p:spPr>
+      </p:sp>
+      <p:sp>
+        <p:nvSpPr>
+          <p:cNvPr id="93" name="Shape 93"/>
           <p:cNvSpPr txBox="1"/>
           <p:nvPr>
             <p:ph idx="1" type="body"/>
@@ -3471,7 +3663,7 @@
   <p:cSld>
     <p:spTree>
       <p:nvGrpSpPr>
-        <p:cNvPr id="90" name="Shape 90"/>
+        <p:cNvPr id="94" name="Shape 94"/>
         <p:cNvGrpSpPr/>
         <p:nvPr/>
       </p:nvGrpSpPr>
@@ -3485,50 +3677,14 @@
       </p:grpSpPr>
       <p:sp>
         <p:nvSpPr>
-          <p:cNvPr id="91" name="Shape 91"/>
-          <p:cNvSpPr txBox="1"/>
-          <p:nvPr>
-            <p:ph type="title"/>
-          </p:nvPr>
-        </p:nvSpPr>
-        <p:spPr>
-          <a:xfrm>
-            <a:off y="205978" x="457200"/>
-            <a:ext cy="857400" cx="8229600"/>
-          </a:xfrm>
-          <a:prstGeom prst="rect">
-            <a:avLst/>
-          </a:prstGeom>
-        </p:spPr>
-        <p:txBody>
-          <a:bodyPr bIns="91425" rIns="91425" lIns="91425" tIns="91425" anchor="ctr" anchorCtr="0">
-            <a:noAutofit/>
-          </a:bodyPr>
-          <a:lstStyle/>
-          <a:p>
-            <a:pPr algn="ctr">
-              <a:spcBef>
-                <a:spcPts val="0"/>
-              </a:spcBef>
-              <a:buNone/>
-            </a:pPr>
-            <a:r>
-              <a:rPr lang="ru"/>
-              <a:t>Пример отчета о симуляции</a:t>
-            </a:r>
-          </a:p>
-        </p:txBody>
-      </p:sp>
-      <p:sp>
-        <p:nvSpPr>
-          <p:cNvPr id="92" name="Shape 92"/>
+          <p:cNvPr id="95" name="Shape 95"/>
           <p:cNvSpPr txBox="1"/>
           <p:nvPr/>
         </p:nvSpPr>
         <p:spPr>
           <a:xfrm>
-            <a:off y="4782175" x="8804800"/>
-            <a:ext cy="312000" cx="284999"/>
+            <a:off y="66900" x="2557050"/>
+            <a:ext cy="1003199" cx="4029899"/>
           </a:xfrm>
           <a:prstGeom prst="rect">
             <a:avLst/>
@@ -3540,22 +3696,26 @@
           </a:bodyPr>
           <a:lstStyle/>
           <a:p>
-            <a:pPr rtl="0" lvl="0">
-              <a:spcBef>
-                <a:spcPts val="0"/>
-              </a:spcBef>
-              <a:buNone/>
-            </a:pPr>
-            <a:r>
-              <a:rPr lang="ru"/>
-              <a:t>9</a:t>
+            <a:pPr algn="ctr" rtl="0" lvl="0">
+              <a:spcBef>
+                <a:spcPts val="0"/>
+              </a:spcBef>
+              <a:buNone/>
+            </a:pPr>
+            <a:r>
+              <a:rPr sz="2400" lang="ru">
+                <a:solidFill>
+                  <a:schemeClr val="dk1"/>
+                </a:solidFill>
+              </a:rPr>
+              <a:t>Внешний вид страницы просмотра списка товаров</a:t>
             </a:r>
           </a:p>
         </p:txBody>
       </p:sp>
       <p:pic>
         <p:nvPicPr>
-          <p:cNvPr id="93" name="Shape 93"/>
+          <p:cNvPr id="96" name="Shape 96"/>
           <p:cNvPicPr preferRelativeResize="0"/>
           <p:nvPr/>
         </p:nvPicPr>
@@ -3567,8 +3727,8 @@
         </p:blipFill>
         <p:spPr>
           <a:xfrm>
-            <a:off y="1341750" x="468413"/>
-            <a:ext cy="3307574" cx="3732874"/>
+            <a:off y="1268025" x="2557050"/>
+            <a:ext cy="3430244" cx="4029900"/>
           </a:xfrm>
           <a:prstGeom prst="rect">
             <a:avLst/>
@@ -3579,32 +3739,40 @@
           </a:ln>
         </p:spPr>
       </p:pic>
-      <p:pic>
-        <p:nvPicPr>
-          <p:cNvPr id="94" name="Shape 94"/>
-          <p:cNvPicPr preferRelativeResize="0"/>
+      <p:sp>
+        <p:nvSpPr>
+          <p:cNvPr id="97" name="Shape 97"/>
+          <p:cNvSpPr txBox="1"/>
           <p:nvPr/>
-        </p:nvPicPr>
-        <p:blipFill>
-          <a:blip r:embed="rId4"/>
-          <a:stretch>
-            <a:fillRect/>
-          </a:stretch>
-        </p:blipFill>
-        <p:spPr>
-          <a:xfrm>
-            <a:off y="1439200" x="3910674"/>
-            <a:ext cy="3307574" cx="4764911"/>
-          </a:xfrm>
-          <a:prstGeom prst="rect">
-            <a:avLst/>
-          </a:prstGeom>
-          <a:noFill/>
-          <a:ln>
-            <a:noFill/>
-          </a:ln>
-        </p:spPr>
-      </p:pic>
+        </p:nvSpPr>
+        <p:spPr>
+          <a:xfrm>
+            <a:off y="4782175" x="8804800"/>
+            <a:ext cy="312000" cx="284999"/>
+          </a:xfrm>
+          <a:prstGeom prst="rect">
+            <a:avLst/>
+          </a:prstGeom>
+        </p:spPr>
+        <p:txBody>
+          <a:bodyPr bIns="91425" rIns="91425" lIns="91425" tIns="91425" anchor="t" anchorCtr="0">
+            <a:noAutofit/>
+          </a:bodyPr>
+          <a:lstStyle/>
+          <a:p>
+            <a:pPr rtl="0" lvl="0">
+              <a:spcBef>
+                <a:spcPts val="0"/>
+              </a:spcBef>
+              <a:buNone/>
+            </a:pPr>
+            <a:r>
+              <a:rPr lang="ru"/>
+              <a:t>8</a:t>
+            </a:r>
+          </a:p>
+        </p:txBody>
+      </p:sp>
     </p:spTree>
   </p:cSld>
   <p:clrMapOvr>
@@ -3621,7 +3789,7 @@
   <p:cSld>
     <p:spTree>
       <p:nvGrpSpPr>
-        <p:cNvPr id="98" name="Shape 98"/>
+        <p:cNvPr id="101" name="Shape 101"/>
         <p:cNvGrpSpPr/>
         <p:nvPr/>
       </p:nvGrpSpPr>
@@ -3635,50 +3803,14 @@
       </p:grpSpPr>
       <p:sp>
         <p:nvSpPr>
-          <p:cNvPr id="99" name="Shape 99"/>
-          <p:cNvSpPr txBox="1"/>
-          <p:nvPr>
-            <p:ph type="title"/>
-          </p:nvPr>
-        </p:nvSpPr>
-        <p:spPr>
-          <a:xfrm>
-            <a:off y="259478" x="457200"/>
-            <a:ext cy="857400" cx="8229600"/>
-          </a:xfrm>
-          <a:prstGeom prst="rect">
-            <a:avLst/>
-          </a:prstGeom>
-        </p:spPr>
-        <p:txBody>
-          <a:bodyPr bIns="91425" rIns="91425" lIns="91425" tIns="91425" anchor="ctr" anchorCtr="0">
-            <a:noAutofit/>
-          </a:bodyPr>
-          <a:lstStyle/>
-          <a:p>
-            <a:pPr algn="ctr">
-              <a:spcBef>
-                <a:spcPts val="0"/>
-              </a:spcBef>
-              <a:buNone/>
-            </a:pPr>
-            <a:r>
-              <a:rPr lang="ru"/>
-              <a:t>Преимущества программного продукта</a:t>
-            </a:r>
-          </a:p>
-        </p:txBody>
-      </p:sp>
-      <p:sp>
-        <p:nvSpPr>
-          <p:cNvPr id="100" name="Shape 100"/>
+          <p:cNvPr id="102" name="Shape 102"/>
           <p:cNvSpPr txBox="1"/>
           <p:nvPr/>
         </p:nvSpPr>
         <p:spPr>
           <a:xfrm>
-            <a:off y="1431350" x="1090650"/>
-            <a:ext cy="3591599" cx="6962699"/>
+            <a:off y="66725" x="2046000"/>
+            <a:ext cy="1003199" cx="5052000"/>
           </a:xfrm>
           <a:prstGeom prst="rect">
             <a:avLst/>
@@ -3690,102 +3822,59 @@
           </a:bodyPr>
           <a:lstStyle/>
           <a:p>
-            <a:pPr rtl="0" lvl="0" indent="-381000" marL="457200">
-              <a:spcBef>
-                <a:spcPts val="0"/>
-              </a:spcBef>
-              <a:buClr>
-                <a:srgbClr val="000000"/>
-              </a:buClr>
-              <a:buSzPct val="100000"/>
-              <a:buFont typeface="Arial"/>
-              <a:buAutoNum type="arabicPeriod"/>
-            </a:pPr>
-            <a:r>
-              <a:rPr sz="2400" lang="ru"/>
-              <a:t>Параллельная работа нескольких исследователей.</a:t>
-            </a:r>
-          </a:p>
-          <a:p>
-            <a:pPr rtl="0" lvl="0" indent="-381000" marL="457200">
-              <a:spcBef>
-                <a:spcPts val="0"/>
-              </a:spcBef>
-              <a:buClr>
-                <a:srgbClr val="000000"/>
-              </a:buClr>
-              <a:buSzPct val="100000"/>
-              <a:buFont typeface="Arial"/>
-              <a:buAutoNum type="arabicPeriod"/>
-            </a:pPr>
-            <a:r>
-              <a:rPr sz="2400" lang="ru"/>
-              <a:t>Каждая симуляция уникальна.</a:t>
-            </a:r>
-          </a:p>
-          <a:p>
-            <a:pPr rtl="0" lvl="0" indent="-381000" marL="457200">
-              <a:spcBef>
-                <a:spcPts val="0"/>
-              </a:spcBef>
-              <a:buClr>
-                <a:srgbClr val="000000"/>
-              </a:buClr>
-              <a:buSzPct val="100000"/>
-              <a:buFont typeface="Arial"/>
-              <a:buAutoNum type="arabicPeriod"/>
-            </a:pPr>
-            <a:r>
-              <a:rPr sz="2400" lang="ru"/>
-              <a:t>Невосприимчивость к некорректным входным данным.</a:t>
-            </a:r>
-          </a:p>
-          <a:p>
-            <a:pPr rtl="0" lvl="0" indent="-381000" marL="457200">
-              <a:spcBef>
-                <a:spcPts val="0"/>
-              </a:spcBef>
-              <a:buClr>
-                <a:srgbClr val="000000"/>
-              </a:buClr>
-              <a:buSzPct val="100000"/>
-              <a:buFont typeface="Arial"/>
-              <a:buAutoNum type="arabicPeriod"/>
-            </a:pPr>
-            <a:r>
-              <a:rPr sz="2400" lang="ru"/>
-              <a:t>Возможность работы удалённо.</a:t>
-            </a:r>
-          </a:p>
-          <a:p>
-            <a:pPr rtl="0" lvl="0" indent="-381000" marL="457200">
-              <a:spcBef>
-                <a:spcPts val="0"/>
-              </a:spcBef>
-              <a:buClr>
-                <a:srgbClr val="000000"/>
-              </a:buClr>
-              <a:buSzPct val="100000"/>
-              <a:buFont typeface="Arial"/>
-              <a:buAutoNum type="arabicPeriod"/>
-            </a:pPr>
-            <a:r>
-              <a:rPr sz="2400" lang="ru"/>
-              <a:t>При сбое работы программы и её перезапуске все списки товаров и отчеты о симуляциях сохраняются.</a:t>
+            <a:pPr algn="ctr" rtl="0" lvl="0">
+              <a:spcBef>
+                <a:spcPts val="0"/>
+              </a:spcBef>
+              <a:buNone/>
+            </a:pPr>
+            <a:r>
+              <a:rPr sz="2400" lang="ru">
+                <a:solidFill>
+                  <a:schemeClr val="dk1"/>
+                </a:solidFill>
+              </a:rPr>
+              <a:t>Внешний вид страницы задания параметров симуляции</a:t>
             </a:r>
           </a:p>
         </p:txBody>
       </p:sp>
-      <p:sp>
-        <p:nvSpPr>
-          <p:cNvPr id="101" name="Shape 101"/>
+      <p:pic>
+        <p:nvPicPr>
+          <p:cNvPr id="103" name="Shape 103"/>
+          <p:cNvPicPr preferRelativeResize="0"/>
+          <p:nvPr/>
+        </p:nvPicPr>
+        <p:blipFill>
+          <a:blip r:embed="rId3"/>
+          <a:stretch>
+            <a:fillRect/>
+          </a:stretch>
+        </p:blipFill>
+        <p:spPr>
+          <a:xfrm>
+            <a:off y="2154450" x="2290762"/>
+            <a:ext cy="2286000" cx="4562475"/>
+          </a:xfrm>
+          <a:prstGeom prst="rect">
+            <a:avLst/>
+          </a:prstGeom>
+          <a:noFill/>
+          <a:ln>
+            <a:noFill/>
+          </a:ln>
+        </p:spPr>
+      </p:pic>
+      <p:sp>
+        <p:nvSpPr>
+          <p:cNvPr id="104" name="Shape 104"/>
           <p:cNvSpPr txBox="1"/>
           <p:nvPr/>
         </p:nvSpPr>
         <p:spPr>
           <a:xfrm>
-            <a:off y="4782175" x="8742525"/>
-            <a:ext cy="312000" cx="432299"/>
+            <a:off y="4782175" x="8804800"/>
+            <a:ext cy="312000" cx="284999"/>
           </a:xfrm>
           <a:prstGeom prst="rect">
             <a:avLst/>
@@ -3805,7 +3894,7 @@
             </a:pPr>
             <a:r>
               <a:rPr lang="ru"/>
-              <a:t>10</a:t>
+              <a:t>9</a:t>
             </a:r>
           </a:p>
         </p:txBody>
@@ -3826,7 +3915,7 @@
   <p:cSld>
     <p:spTree>
       <p:nvGrpSpPr>
-        <p:cNvPr id="105" name="Shape 105"/>
+        <p:cNvPr id="108" name="Shape 108"/>
         <p:cNvGrpSpPr/>
         <p:nvPr/>
       </p:nvGrpSpPr>
@@ -3840,50 +3929,14 @@
       </p:grpSpPr>
       <p:sp>
         <p:nvSpPr>
-          <p:cNvPr id="106" name="Shape 106"/>
-          <p:cNvSpPr txBox="1"/>
-          <p:nvPr>
-            <p:ph type="title"/>
-          </p:nvPr>
-        </p:nvSpPr>
-        <p:spPr>
-          <a:xfrm>
-            <a:off y="205978" x="457200"/>
-            <a:ext cy="857400" cx="8229600"/>
-          </a:xfrm>
-          <a:prstGeom prst="rect">
-            <a:avLst/>
-          </a:prstGeom>
-        </p:spPr>
-        <p:txBody>
-          <a:bodyPr bIns="91425" rIns="91425" lIns="91425" tIns="91425" anchor="b" anchorCtr="0">
-            <a:noAutofit/>
-          </a:bodyPr>
-          <a:lstStyle/>
-          <a:p>
-            <a:pPr algn="ctr">
-              <a:spcBef>
-                <a:spcPts val="0"/>
-              </a:spcBef>
-              <a:buNone/>
-            </a:pPr>
-            <a:r>
-              <a:rPr lang="ru"/>
-              <a:t>Ссылки на приложения</a:t>
-            </a:r>
-          </a:p>
-        </p:txBody>
-      </p:sp>
-      <p:sp>
-        <p:nvSpPr>
-          <p:cNvPr id="107" name="Shape 107"/>
+          <p:cNvPr id="109" name="Shape 109"/>
           <p:cNvSpPr txBox="1"/>
           <p:nvPr/>
         </p:nvSpPr>
         <p:spPr>
           <a:xfrm>
-            <a:off y="1444800" x="648900"/>
-            <a:ext cy="3511500" cx="7846200"/>
+            <a:off y="4782175" x="8721275"/>
+            <a:ext cy="312000" cx="422700"/>
           </a:xfrm>
           <a:prstGeom prst="rect">
             <a:avLst/>
@@ -3895,127 +3948,81 @@
           </a:bodyPr>
           <a:lstStyle/>
           <a:p>
-            <a:pPr rtl="0" lvl="0" indent="-381000" marL="457200">
-              <a:spcBef>
-                <a:spcPts val="0"/>
-              </a:spcBef>
-              <a:buClr>
-                <a:srgbClr val="000000"/>
-              </a:buClr>
-              <a:buSzPct val="100000"/>
-              <a:buFont typeface="Arial"/>
-              <a:buAutoNum type="arabicPeriod"/>
-            </a:pPr>
-            <a:r>
-              <a:rPr u="sng" sz="2400" lang="ru">
-                <a:solidFill>
-                  <a:schemeClr val="hlink"/>
-                </a:solidFill>
-                <a:hlinkClick r:id="rId3"/>
-              </a:rPr>
-              <a:t>Приложение №1: проект программного продукта </a:t>
-            </a:r>
-          </a:p>
-          <a:p>
-            <a:pPr rtl="0" lvl="0" indent="-381000" marL="457200">
-              <a:spcBef>
-                <a:spcPts val="0"/>
-              </a:spcBef>
-              <a:buClr>
-                <a:srgbClr val="000000"/>
-              </a:buClr>
-              <a:buSzPct val="100000"/>
-              <a:buFont typeface="Arial"/>
-              <a:buAutoNum type="arabicPeriod"/>
-            </a:pPr>
-            <a:r>
-              <a:rPr u="sng" sz="2400" lang="ru">
-                <a:solidFill>
-                  <a:schemeClr val="hlink"/>
-                </a:solidFill>
-                <a:hlinkClick r:id="rId4"/>
-              </a:rPr>
-              <a:t>Приложение №2: отчет о реализации программного продукта</a:t>
-            </a:r>
-          </a:p>
-          <a:p>
-            <a:pPr rtl="0" lvl="0" indent="-381000" marL="457200">
-              <a:spcBef>
-                <a:spcPts val="0"/>
-              </a:spcBef>
-              <a:buClr>
-                <a:srgbClr val="000000"/>
-              </a:buClr>
-              <a:buSzPct val="100000"/>
-              <a:buFont typeface="Arial"/>
-              <a:buAutoNum type="arabicPeriod"/>
-            </a:pPr>
-            <a:r>
-              <a:rPr u="sng" sz="2400" lang="ru">
-                <a:solidFill>
-                  <a:schemeClr val="hlink"/>
-                </a:solidFill>
-                <a:hlinkClick r:id="rId5"/>
-              </a:rPr>
-              <a:t>Приложение №3: отчет об оптимизации и тестировании</a:t>
-            </a:r>
-          </a:p>
-          <a:p>
-            <a:pPr rtl="0" lvl="0" indent="-381000" marL="457200">
-              <a:spcBef>
-                <a:spcPts val="0"/>
-              </a:spcBef>
-              <a:buClr>
-                <a:srgbClr val="000000"/>
-              </a:buClr>
-              <a:buSzPct val="100000"/>
-              <a:buFont typeface="Arial"/>
-              <a:buAutoNum type="arabicPeriod"/>
-            </a:pPr>
-            <a:r>
-              <a:rPr u="sng" sz="2400" lang="ru">
-                <a:solidFill>
-                  <a:schemeClr val="hlink"/>
-                </a:solidFill>
-                <a:hlinkClick r:id="rId6"/>
-              </a:rPr>
-              <a:t>Приложение №4: проектная документация</a:t>
-            </a:r>
-          </a:p>
-          <a:p>
-            <a:pPr rtl="0" lvl="0" indent="-381000" marL="457200">
-              <a:spcBef>
-                <a:spcPts val="0"/>
-              </a:spcBef>
-              <a:buClr>
-                <a:srgbClr val="000000"/>
-              </a:buClr>
-              <a:buSzPct val="100000"/>
-              <a:buFont typeface="Arial"/>
-              <a:buAutoNum type="arabicPeriod"/>
-            </a:pPr>
-            <a:r>
-              <a:rPr u="sng" sz="2400" lang="ru">
-                <a:solidFill>
-                  <a:schemeClr val="hlink"/>
-                </a:solidFill>
-                <a:hlinkClick r:id="rId7"/>
-              </a:rPr>
-              <a:t>Исходный код программного продукта</a:t>
+            <a:pPr rtl="0" lvl="0">
+              <a:spcBef>
+                <a:spcPts val="0"/>
+              </a:spcBef>
+              <a:buNone/>
+            </a:pPr>
+            <a:r>
+              <a:rPr lang="ru"/>
+              <a:t>10</a:t>
             </a:r>
           </a:p>
         </p:txBody>
       </p:sp>
-      <p:sp>
-        <p:nvSpPr>
-          <p:cNvPr id="108" name="Shape 108"/>
+      <p:pic>
+        <p:nvPicPr>
+          <p:cNvPr id="110" name="Shape 110"/>
+          <p:cNvPicPr preferRelativeResize="0"/>
+          <p:nvPr/>
+        </p:nvPicPr>
+        <p:blipFill>
+          <a:blip r:embed="rId3"/>
+          <a:stretch>
+            <a:fillRect/>
+          </a:stretch>
+        </p:blipFill>
+        <p:spPr>
+          <a:xfrm>
+            <a:off y="1341750" x="468413"/>
+            <a:ext cy="3307574" cx="3732874"/>
+          </a:xfrm>
+          <a:prstGeom prst="rect">
+            <a:avLst/>
+          </a:prstGeom>
+          <a:noFill/>
+          <a:ln>
+            <a:noFill/>
+          </a:ln>
+        </p:spPr>
+      </p:pic>
+      <p:pic>
+        <p:nvPicPr>
+          <p:cNvPr id="111" name="Shape 111"/>
+          <p:cNvPicPr preferRelativeResize="0"/>
+          <p:nvPr/>
+        </p:nvPicPr>
+        <p:blipFill>
+          <a:blip r:embed="rId4"/>
+          <a:stretch>
+            <a:fillRect/>
+          </a:stretch>
+        </p:blipFill>
+        <p:spPr>
+          <a:xfrm>
+            <a:off y="1439200" x="3910674"/>
+            <a:ext cy="3307574" cx="4764911"/>
+          </a:xfrm>
+          <a:prstGeom prst="rect">
+            <a:avLst/>
+          </a:prstGeom>
+          <a:noFill/>
+          <a:ln>
+            <a:noFill/>
+          </a:ln>
+        </p:spPr>
+      </p:pic>
+      <p:sp>
+        <p:nvSpPr>
+          <p:cNvPr id="112" name="Shape 112"/>
           <p:cNvSpPr txBox="1"/>
           <p:nvPr/>
         </p:nvSpPr>
         <p:spPr>
           <a:xfrm>
-            <a:off y="4782175" x="8742525"/>
-            <a:ext cy="312000" cx="432299"/>
+            <a:off y="361325" x="445650"/>
+            <a:ext cy="457200" cx="8252700"/>
           </a:xfrm>
           <a:prstGeom prst="rect">
             <a:avLst/>
@@ -4027,16 +4034,37 @@
           </a:bodyPr>
           <a:lstStyle/>
           <a:p>
-            <a:pPr rtl="0" lvl="0">
-              <a:spcBef>
-                <a:spcPts val="0"/>
-              </a:spcBef>
-              <a:buNone/>
-            </a:pPr>
-            <a:r>
-              <a:rPr lang="ru"/>
-              <a:t>11</a:t>
-            </a:r>
+            <a:pPr algn="ctr" rtl="0" lvl="0">
+              <a:spcBef>
+                <a:spcPts val="0"/>
+              </a:spcBef>
+              <a:buClr>
+                <a:schemeClr val="dk1"/>
+              </a:buClr>
+              <a:buSzPct val="45833"/>
+              <a:buFont typeface="Arial"/>
+              <a:buNone/>
+            </a:pPr>
+            <a:r>
+              <a:rPr sz="2400" lang="ru">
+                <a:solidFill>
+                  <a:schemeClr val="dk1"/>
+                </a:solidFill>
+              </a:rPr>
+              <a:t>Пример отчета о симуляции</a:t>
+            </a:r>
+          </a:p>
+          <a:p>
+            <a:pPr>
+              <a:spcBef>
+                <a:spcPts val="0"/>
+              </a:spcBef>
+              <a:buNone/>
+            </a:pPr>
+            <a:r>
+              <a:t/>
+            </a:r>
+            <a:endParaRPr/>
           </a:p>
         </p:txBody>
       </p:sp>
@@ -4056,7 +4084,7 @@
   <p:cSld>
     <p:spTree>
       <p:nvGrpSpPr>
-        <p:cNvPr id="112" name="Shape 112"/>
+        <p:cNvPr id="116" name="Shape 116"/>
         <p:cNvGrpSpPr/>
         <p:nvPr/>
       </p:nvGrpSpPr>
@@ -4070,16 +4098,238 @@
       </p:grpSpPr>
       <p:sp>
         <p:nvSpPr>
-          <p:cNvPr id="113" name="Shape 113"/>
+          <p:cNvPr id="117" name="Shape 117"/>
           <p:cNvSpPr txBox="1"/>
           <p:nvPr>
-            <p:ph type="ctrTitle"/>
+            <p:ph type="title"/>
           </p:nvPr>
         </p:nvSpPr>
         <p:spPr>
           <a:xfrm>
-            <a:off y="839442" x="685800"/>
-            <a:ext cy="1159799" cx="7772400"/>
+            <a:off y="107078" x="457200"/>
+            <a:ext cy="857400" cx="8229600"/>
+          </a:xfrm>
+          <a:prstGeom prst="rect">
+            <a:avLst/>
+          </a:prstGeom>
+        </p:spPr>
+        <p:txBody>
+          <a:bodyPr bIns="91425" rIns="91425" lIns="91425" tIns="91425" anchor="ctr" anchorCtr="0">
+            <a:noAutofit/>
+          </a:bodyPr>
+          <a:lstStyle/>
+          <a:p>
+            <a:pPr algn="ctr">
+              <a:spcBef>
+                <a:spcPts val="0"/>
+              </a:spcBef>
+              <a:buNone/>
+            </a:pPr>
+            <a:r>
+              <a:rPr lang="ru"/>
+              <a:t>Преимущества программного продукта</a:t>
+            </a:r>
+          </a:p>
+        </p:txBody>
+      </p:sp>
+      <p:sp>
+        <p:nvSpPr>
+          <p:cNvPr id="118" name="Shape 118"/>
+          <p:cNvSpPr txBox="1"/>
+          <p:nvPr/>
+        </p:nvSpPr>
+        <p:spPr>
+          <a:xfrm>
+            <a:off y="1424275" x="519600"/>
+            <a:ext cy="3591599" cx="8104800"/>
+          </a:xfrm>
+          <a:prstGeom prst="rect">
+            <a:avLst/>
+          </a:prstGeom>
+        </p:spPr>
+        <p:txBody>
+          <a:bodyPr bIns="91425" rIns="91425" lIns="91425" tIns="91425" anchor="t" anchorCtr="0">
+            <a:noAutofit/>
+          </a:bodyPr>
+          <a:lstStyle/>
+          <a:p>
+            <a:pPr rtl="0" lvl="0" indent="-381000" marL="457200">
+              <a:spcBef>
+                <a:spcPts val="0"/>
+              </a:spcBef>
+              <a:buClr>
+                <a:srgbClr val="000000"/>
+              </a:buClr>
+              <a:buSzPct val="100000"/>
+              <a:buFont typeface="Arial"/>
+              <a:buAutoNum type="arabicPeriod"/>
+            </a:pPr>
+            <a:r>
+              <a:rPr sz="2400" lang="ru"/>
+              <a:t>Параллельная работа нескольких исследователей.</a:t>
+            </a:r>
+          </a:p>
+          <a:p>
+            <a:pPr rtl="0" lvl="0" indent="-381000" marL="457200">
+              <a:spcBef>
+                <a:spcPts val="0"/>
+              </a:spcBef>
+              <a:buClr>
+                <a:srgbClr val="000000"/>
+              </a:buClr>
+              <a:buSzPct val="100000"/>
+              <a:buFont typeface="Arial"/>
+              <a:buAutoNum type="arabicPeriod"/>
+            </a:pPr>
+            <a:r>
+              <a:rPr sz="2400" lang="ru"/>
+              <a:t>Каждая симуляция уникальна.</a:t>
+            </a:r>
+          </a:p>
+          <a:p>
+            <a:pPr rtl="0" lvl="0" indent="-381000" marL="457200">
+              <a:spcBef>
+                <a:spcPts val="0"/>
+              </a:spcBef>
+              <a:buClr>
+                <a:srgbClr val="000000"/>
+              </a:buClr>
+              <a:buSzPct val="100000"/>
+              <a:buFont typeface="Arial"/>
+              <a:buAutoNum type="arabicPeriod"/>
+            </a:pPr>
+            <a:r>
+              <a:rPr sz="2400" lang="ru"/>
+              <a:t>Невосприимчивость к некорректным входным данным.</a:t>
+            </a:r>
+          </a:p>
+          <a:p>
+            <a:pPr rtl="0" lvl="0" indent="-381000" marL="457200">
+              <a:spcBef>
+                <a:spcPts val="0"/>
+              </a:spcBef>
+              <a:buClr>
+                <a:srgbClr val="000000"/>
+              </a:buClr>
+              <a:buSzPct val="100000"/>
+              <a:buFont typeface="Arial"/>
+              <a:buAutoNum type="arabicPeriod"/>
+            </a:pPr>
+            <a:r>
+              <a:rPr sz="2400" lang="ru"/>
+              <a:t>Возможность работы удалённо.</a:t>
+            </a:r>
+          </a:p>
+          <a:p>
+            <a:pPr rtl="0" lvl="0" indent="-381000" marL="457200">
+              <a:spcBef>
+                <a:spcPts val="0"/>
+              </a:spcBef>
+              <a:buClr>
+                <a:srgbClr val="000000"/>
+              </a:buClr>
+              <a:buSzPct val="100000"/>
+              <a:buFont typeface="Arial"/>
+              <a:buAutoNum type="arabicPeriod"/>
+            </a:pPr>
+            <a:r>
+              <a:rPr sz="2400" lang="ru"/>
+              <a:t>При сбое работы ПО и её перезапуске все списки товаров и отчеты о симуляциях сохраняются.</a:t>
+            </a:r>
+          </a:p>
+          <a:p>
+            <a:pPr rtl="0" lvl="0" indent="-381000" marL="457200">
+              <a:spcBef>
+                <a:spcPts val="0"/>
+              </a:spcBef>
+              <a:buClr>
+                <a:srgbClr val="000000"/>
+              </a:buClr>
+              <a:buSzPct val="100000"/>
+              <a:buFont typeface="Arial"/>
+              <a:buAutoNum type="arabicPeriod"/>
+            </a:pPr>
+            <a:r>
+              <a:rPr sz="2400" lang="ru"/>
+              <a:t>Облачные вычисления.</a:t>
+            </a:r>
+          </a:p>
+        </p:txBody>
+      </p:sp>
+      <p:sp>
+        <p:nvSpPr>
+          <p:cNvPr id="119" name="Shape 119"/>
+          <p:cNvSpPr txBox="1"/>
+          <p:nvPr/>
+        </p:nvSpPr>
+        <p:spPr>
+          <a:xfrm>
+            <a:off y="4782175" x="8742525"/>
+            <a:ext cy="312000" cx="432299"/>
+          </a:xfrm>
+          <a:prstGeom prst="rect">
+            <a:avLst/>
+          </a:prstGeom>
+        </p:spPr>
+        <p:txBody>
+          <a:bodyPr bIns="91425" rIns="91425" lIns="91425" tIns="91425" anchor="t" anchorCtr="0">
+            <a:noAutofit/>
+          </a:bodyPr>
+          <a:lstStyle/>
+          <a:p>
+            <a:pPr rtl="0" lvl="0">
+              <a:spcBef>
+                <a:spcPts val="0"/>
+              </a:spcBef>
+              <a:buNone/>
+            </a:pPr>
+            <a:r>
+              <a:rPr lang="ru"/>
+              <a:t>11</a:t>
+            </a:r>
+          </a:p>
+        </p:txBody>
+      </p:sp>
+    </p:spTree>
+  </p:cSld>
+  <p:clrMapOvr>
+    <a:masterClrMapping/>
+  </p:clrMapOvr>
+  <p:transition spd="slow">
+    <p:cut/>
+  </p:transition>
+</p:sld>
+</file>
+
+<file path=ppt/slides/slide14.xml><?xml version="1.0" encoding="utf-8"?>
+<p:sld xmlns:a="http://schemas.openxmlformats.org/drawingml/2006/main" xmlns:r="http://schemas.openxmlformats.org/officeDocument/2006/relationships" xmlns:mc="http://schemas.openxmlformats.org/markup-compatibility/2006" xmlns:mv="urn:schemas-microsoft-com:mac:vml" xmlns:p="http://schemas.openxmlformats.org/presentationml/2006/main" xmlns:c="http://schemas.openxmlformats.org/drawingml/2006/chart" xmlns:dgm="http://schemas.openxmlformats.org/drawingml/2006/diagram" xmlns:o="urn:schemas-microsoft-com:office:office" xmlns:v="urn:schemas-microsoft-com:vml" xmlns:pvml="urn:schemas-microsoft-com:office:powerpoint" xmlns:com="http://schemas.openxmlformats.org/drawingml/2006/compatibility" xmlns:p14="http://schemas.microsoft.com/office/powerpoint/2010/main">
+  <p:cSld>
+    <p:spTree>
+      <p:nvGrpSpPr>
+        <p:cNvPr id="123" name="Shape 123"/>
+        <p:cNvGrpSpPr/>
+        <p:nvPr/>
+      </p:nvGrpSpPr>
+      <p:grpSpPr>
+        <a:xfrm>
+          <a:off y="0" x="0"/>
+          <a:ext cy="0" cx="0"/>
+          <a:chOff y="0" x="0"/>
+          <a:chExt cy="0" cx="0"/>
+        </a:xfrm>
+      </p:grpSpPr>
+      <p:sp>
+        <p:nvSpPr>
+          <p:cNvPr id="124" name="Shape 124"/>
+          <p:cNvSpPr txBox="1"/>
+          <p:nvPr>
+            <p:ph type="title"/>
+          </p:nvPr>
+        </p:nvSpPr>
+        <p:spPr>
+          <a:xfrm>
+            <a:off y="205978" x="457200"/>
+            <a:ext cy="857400" cx="8229600"/>
           </a:xfrm>
           <a:prstGeom prst="rect">
             <a:avLst/>
@@ -4091,7 +4341,7 @@
           </a:bodyPr>
           <a:lstStyle/>
           <a:p>
-            <a:pPr>
+            <a:pPr algn="ctr">
               <a:spcBef>
                 <a:spcPts val="0"/>
               </a:spcBef>
@@ -4099,21 +4349,21 @@
             </a:pPr>
             <a:r>
               <a:rPr lang="ru"/>
-              <a:t>Спасибо за внимание</a:t>
+              <a:t>Ссылки на приложения</a:t>
             </a:r>
           </a:p>
         </p:txBody>
       </p:sp>
       <p:sp>
         <p:nvSpPr>
-          <p:cNvPr id="114" name="Shape 114"/>
+          <p:cNvPr id="125" name="Shape 125"/>
           <p:cNvSpPr txBox="1"/>
           <p:nvPr/>
         </p:nvSpPr>
         <p:spPr>
           <a:xfrm>
-            <a:off y="4430775" x="3767850"/>
-            <a:ext cy="262199" cx="1608299"/>
+            <a:off y="1444800" x="648900"/>
+            <a:ext cy="3511500" cx="7846200"/>
           </a:xfrm>
           <a:prstGeom prst="rect">
             <a:avLst/>
@@ -4125,41 +4375,149 @@
           </a:bodyPr>
           <a:lstStyle/>
           <a:p>
-            <a:pPr algn="ctr" rtl="0" lvl="0">
-              <a:spcBef>
-                <a:spcPts val="0"/>
-              </a:spcBef>
-              <a:buNone/>
-            </a:pPr>
-            <a:r>
-              <a:rPr lang="ru"/>
-              <a:t>Обнинск, 2014 г.</a:t>
-            </a:r>
-          </a:p>
-          <a:p>
-            <a:pPr>
-              <a:spcBef>
-                <a:spcPts val="0"/>
-              </a:spcBef>
-              <a:buNone/>
-            </a:pPr>
-            <a:r>
-              <a:t/>
-            </a:r>
-            <a:endParaRPr/>
+            <a:pPr rtl="0" lvl="0" indent="-381000" marL="457200">
+              <a:spcBef>
+                <a:spcPts val="0"/>
+              </a:spcBef>
+              <a:buClr>
+                <a:srgbClr val="000000"/>
+              </a:buClr>
+              <a:buSzPct val="100000"/>
+              <a:buFont typeface="Arial"/>
+              <a:buAutoNum type="arabicPeriod"/>
+            </a:pPr>
+            <a:r>
+              <a:rPr u="sng" sz="2400" lang="ru">
+                <a:solidFill>
+                  <a:schemeClr val="hlink"/>
+                </a:solidFill>
+                <a:hlinkClick r:id="rId3"/>
+              </a:rPr>
+              <a:t>Приложение №1: проект программного продукта </a:t>
+            </a:r>
+          </a:p>
+          <a:p>
+            <a:pPr rtl="0" lvl="0" indent="-381000" marL="457200">
+              <a:spcBef>
+                <a:spcPts val="0"/>
+              </a:spcBef>
+              <a:buClr>
+                <a:srgbClr val="000000"/>
+              </a:buClr>
+              <a:buSzPct val="100000"/>
+              <a:buFont typeface="Arial"/>
+              <a:buAutoNum type="arabicPeriod"/>
+            </a:pPr>
+            <a:r>
+              <a:rPr u="sng" sz="2400" lang="ru">
+                <a:solidFill>
+                  <a:schemeClr val="hlink"/>
+                </a:solidFill>
+                <a:hlinkClick r:id="rId4"/>
+              </a:rPr>
+              <a:t>Приложение №2: отчет о реализации программного продукта</a:t>
+            </a:r>
+          </a:p>
+          <a:p>
+            <a:pPr rtl="0" lvl="0" indent="-381000" marL="457200">
+              <a:spcBef>
+                <a:spcPts val="0"/>
+              </a:spcBef>
+              <a:buClr>
+                <a:srgbClr val="000000"/>
+              </a:buClr>
+              <a:buSzPct val="100000"/>
+              <a:buFont typeface="Arial"/>
+              <a:buAutoNum type="arabicPeriod"/>
+            </a:pPr>
+            <a:r>
+              <a:rPr u="sng" sz="2400" lang="ru">
+                <a:solidFill>
+                  <a:schemeClr val="hlink"/>
+                </a:solidFill>
+                <a:hlinkClick r:id="rId5"/>
+              </a:rPr>
+              <a:t>Приложение №3: отчет об оптимизации и тестировании</a:t>
+            </a:r>
+          </a:p>
+          <a:p>
+            <a:pPr rtl="0" lvl="0" indent="-381000" marL="457200">
+              <a:spcBef>
+                <a:spcPts val="0"/>
+              </a:spcBef>
+              <a:buClr>
+                <a:srgbClr val="000000"/>
+              </a:buClr>
+              <a:buSzPct val="100000"/>
+              <a:buFont typeface="Arial"/>
+              <a:buAutoNum type="arabicPeriod"/>
+            </a:pPr>
+            <a:r>
+              <a:rPr u="sng" sz="2400" lang="ru">
+                <a:solidFill>
+                  <a:schemeClr val="hlink"/>
+                </a:solidFill>
+                <a:hlinkClick r:id="rId6"/>
+              </a:rPr>
+              <a:t>Приложение №4: проектная документация</a:t>
+            </a:r>
+          </a:p>
+          <a:p>
+            <a:pPr rtl="0" lvl="0" indent="-381000" marL="457200">
+              <a:spcBef>
+                <a:spcPts val="0"/>
+              </a:spcBef>
+              <a:buClr>
+                <a:srgbClr val="000000"/>
+              </a:buClr>
+              <a:buSzPct val="100000"/>
+              <a:buFont typeface="Arial"/>
+              <a:buAutoNum type="arabicPeriod"/>
+            </a:pPr>
+            <a:r>
+              <a:rPr u="sng" sz="2400" lang="ru">
+                <a:solidFill>
+                  <a:schemeClr val="hlink"/>
+                </a:solidFill>
+                <a:hlinkClick r:id="rId7"/>
+              </a:rPr>
+              <a:t>Исходный код программного продукта</a:t>
+            </a:r>
+          </a:p>
+          <a:p>
+            <a:pPr rtl="0" lvl="0" indent="-381000" marL="457200">
+              <a:spcBef>
+                <a:spcPts val="0"/>
+              </a:spcBef>
+              <a:buClr>
+                <a:srgbClr val="000000"/>
+              </a:buClr>
+              <a:buSzPct val="100000"/>
+              <a:buFont typeface="Arial"/>
+              <a:buAutoNum type="arabicPeriod"/>
+            </a:pPr>
+            <a:r>
+              <a:rPr u="sng" sz="2400" lang="ru">
+                <a:solidFill>
+                  <a:schemeClr val="hlink"/>
+                </a:solidFill>
+                <a:hlinkClick r:id="rId8"/>
+              </a:rPr>
+              <a:t>http://kramer98489.cloudapp.net/TradingTerminal/</a:t>
+            </a:r>
           </a:p>
         </p:txBody>
       </p:sp>
       <p:sp>
         <p:nvSpPr>
-          <p:cNvPr id="115" name="Shape 115"/>
+          <p:cNvPr id="126" name="Shape 126"/>
           <p:cNvSpPr txBox="1"/>
           <p:nvPr/>
         </p:nvSpPr>
         <p:spPr>
           <a:xfrm>
-            <a:off y="2288350" x="2474850"/>
-            <a:ext cy="1683300" cx="4194300"/>
+            <a:off y="4782175" x="8742525"/>
+            <a:ext cy="312000" cx="432299"/>
           </a:xfrm>
           <a:prstGeom prst="rect">
             <a:avLst/>
@@ -4171,6 +4529,150 @@
           </a:bodyPr>
           <a:lstStyle/>
           <a:p>
+            <a:pPr rtl="0" lvl="0">
+              <a:spcBef>
+                <a:spcPts val="0"/>
+              </a:spcBef>
+              <a:buNone/>
+            </a:pPr>
+            <a:r>
+              <a:rPr lang="ru"/>
+              <a:t>12</a:t>
+            </a:r>
+          </a:p>
+        </p:txBody>
+      </p:sp>
+    </p:spTree>
+  </p:cSld>
+  <p:clrMapOvr>
+    <a:masterClrMapping/>
+  </p:clrMapOvr>
+  <p:transition spd="slow">
+    <p:cut/>
+  </p:transition>
+</p:sld>
+</file>
+
+<file path=ppt/slides/slide15.xml><?xml version="1.0" encoding="utf-8"?>
+<p:sld xmlns:a="http://schemas.openxmlformats.org/drawingml/2006/main" xmlns:r="http://schemas.openxmlformats.org/officeDocument/2006/relationships" xmlns:mc="http://schemas.openxmlformats.org/markup-compatibility/2006" xmlns:mv="urn:schemas-microsoft-com:mac:vml" xmlns:p="http://schemas.openxmlformats.org/presentationml/2006/main" xmlns:c="http://schemas.openxmlformats.org/drawingml/2006/chart" xmlns:dgm="http://schemas.openxmlformats.org/drawingml/2006/diagram" xmlns:o="urn:schemas-microsoft-com:office:office" xmlns:v="urn:schemas-microsoft-com:vml" xmlns:pvml="urn:schemas-microsoft-com:office:powerpoint" xmlns:com="http://schemas.openxmlformats.org/drawingml/2006/compatibility" xmlns:p14="http://schemas.microsoft.com/office/powerpoint/2010/main">
+  <p:cSld>
+    <p:spTree>
+      <p:nvGrpSpPr>
+        <p:cNvPr id="130" name="Shape 130"/>
+        <p:cNvGrpSpPr/>
+        <p:nvPr/>
+      </p:nvGrpSpPr>
+      <p:grpSpPr>
+        <a:xfrm>
+          <a:off y="0" x="0"/>
+          <a:ext cy="0" cx="0"/>
+          <a:chOff y="0" x="0"/>
+          <a:chExt cy="0" cx="0"/>
+        </a:xfrm>
+      </p:grpSpPr>
+      <p:sp>
+        <p:nvSpPr>
+          <p:cNvPr id="131" name="Shape 131"/>
+          <p:cNvSpPr txBox="1"/>
+          <p:nvPr>
+            <p:ph type="ctrTitle"/>
+          </p:nvPr>
+        </p:nvSpPr>
+        <p:spPr>
+          <a:xfrm>
+            <a:off y="839442" x="685800"/>
+            <a:ext cy="1159799" cx="7772400"/>
+          </a:xfrm>
+          <a:prstGeom prst="rect">
+            <a:avLst/>
+          </a:prstGeom>
+        </p:spPr>
+        <p:txBody>
+          <a:bodyPr bIns="91425" rIns="91425" lIns="91425" tIns="91425" anchor="b" anchorCtr="0">
+            <a:noAutofit/>
+          </a:bodyPr>
+          <a:lstStyle/>
+          <a:p>
+            <a:pPr>
+              <a:spcBef>
+                <a:spcPts val="0"/>
+              </a:spcBef>
+              <a:buNone/>
+            </a:pPr>
+            <a:r>
+              <a:rPr lang="ru"/>
+              <a:t>Спасибо за внимание</a:t>
+            </a:r>
+          </a:p>
+        </p:txBody>
+      </p:sp>
+      <p:sp>
+        <p:nvSpPr>
+          <p:cNvPr id="132" name="Shape 132"/>
+          <p:cNvSpPr txBox="1"/>
+          <p:nvPr/>
+        </p:nvSpPr>
+        <p:spPr>
+          <a:xfrm>
+            <a:off y="4430775" x="3767850"/>
+            <a:ext cy="262199" cx="1608299"/>
+          </a:xfrm>
+          <a:prstGeom prst="rect">
+            <a:avLst/>
+          </a:prstGeom>
+        </p:spPr>
+        <p:txBody>
+          <a:bodyPr bIns="91425" rIns="91425" lIns="91425" tIns="91425" anchor="t" anchorCtr="0">
+            <a:noAutofit/>
+          </a:bodyPr>
+          <a:lstStyle/>
+          <a:p>
+            <a:pPr algn="ctr" rtl="0" lvl="0">
+              <a:spcBef>
+                <a:spcPts val="0"/>
+              </a:spcBef>
+              <a:buNone/>
+            </a:pPr>
+            <a:r>
+              <a:rPr lang="ru"/>
+              <a:t>Обнинск, 2014 г.</a:t>
+            </a:r>
+          </a:p>
+          <a:p>
+            <a:pPr>
+              <a:spcBef>
+                <a:spcPts val="0"/>
+              </a:spcBef>
+              <a:buNone/>
+            </a:pPr>
+            <a:r>
+              <a:t/>
+            </a:r>
+            <a:endParaRPr/>
+          </a:p>
+        </p:txBody>
+      </p:sp>
+      <p:sp>
+        <p:nvSpPr>
+          <p:cNvPr id="133" name="Shape 133"/>
+          <p:cNvSpPr txBox="1"/>
+          <p:nvPr/>
+        </p:nvSpPr>
+        <p:spPr>
+          <a:xfrm>
+            <a:off y="2288350" x="2474850"/>
+            <a:ext cy="1683300" cx="4194300"/>
+          </a:xfrm>
+          <a:prstGeom prst="rect">
+            <a:avLst/>
+          </a:prstGeom>
+        </p:spPr>
+        <p:txBody>
+          <a:bodyPr bIns="91425" rIns="91425" lIns="91425" tIns="91425" anchor="t" anchorCtr="0">
+            <a:noAutofit/>
+          </a:bodyPr>
+          <a:lstStyle/>
+          <a:p>
             <a:pPr algn="ctr" rtl="0" lvl="0">
               <a:spcBef>
                 <a:spcPts val="0"/>
@@ -4254,7 +4756,7 @@
       </p:sp>
       <p:sp>
         <p:nvSpPr>
-          <p:cNvPr id="116" name="Shape 116"/>
+          <p:cNvPr id="134" name="Shape 134"/>
           <p:cNvSpPr txBox="1"/>
           <p:nvPr/>
         </p:nvSpPr>
@@ -4281,7 +4783,7 @@
             </a:pPr>
             <a:r>
               <a:rPr lang="ru"/>
-              <a:t>12</a:t>
+              <a:t>13</a:t>
             </a:r>
           </a:p>
         </p:txBody>
@@ -4318,14 +4820,12 @@
         <p:nvSpPr>
           <p:cNvPr id="29" name="Shape 29"/>
           <p:cNvSpPr txBox="1"/>
-          <p:nvPr>
-            <p:ph idx="1" type="body"/>
-          </p:nvPr>
-        </p:nvSpPr>
-        <p:spPr>
-          <a:xfrm>
-            <a:off y="33350" x="457200"/>
-            <a:ext cy="4608300" cx="7853100"/>
+          <p:nvPr/>
+        </p:nvSpPr>
+        <p:spPr>
+          <a:xfrm>
+            <a:off y="1658125" x="1491900"/>
+            <a:ext cy="2422800" cx="6160200"/>
           </a:xfrm>
           <a:prstGeom prst="rect">
             <a:avLst/>
@@ -4337,271 +4837,225 @@
           </a:bodyPr>
           <a:lstStyle/>
           <a:p>
-            <a:pPr rtl="0" lvl="0">
-              <a:spcBef>
-                <a:spcPts val="0"/>
-              </a:spcBef>
-              <a:buNone/>
-            </a:pPr>
-            <a:r>
-              <a:rPr sz="2400" lang="ru">
-                <a:solidFill>
-                  <a:srgbClr val="000000"/>
-                </a:solidFill>
-              </a:rPr>
-              <a:t>Данный программный продукт предназначен для проведения симуляции работы торгового терминала.</a:t>
-            </a:r>
-          </a:p>
-          <a:p>
-            <a:pPr rtl="0" lvl="0">
-              <a:spcBef>
-                <a:spcPts val="0"/>
-              </a:spcBef>
-              <a:buNone/>
-            </a:pPr>
-            <a:r>
-              <a:t/>
-            </a:r>
-            <a:endParaRPr sz="2400">
-              <a:solidFill>
+            <a:pPr rtl="0" lvl="0" indent="-342900" marL="457200">
+              <a:spcBef>
+                <a:spcPts val="0"/>
+              </a:spcBef>
+              <a:buClr>
                 <a:srgbClr val="000000"/>
-              </a:solidFill>
-            </a:endParaRPr>
-          </a:p>
-          <a:p>
-            <a:pPr rtl="0" lvl="0">
-              <a:spcBef>
-                <a:spcPts val="0"/>
-              </a:spcBef>
-              <a:buNone/>
-            </a:pPr>
-            <a:r>
-              <a:rPr sz="2400" lang="ru">
-                <a:solidFill>
-                  <a:srgbClr val="000000"/>
-                </a:solidFill>
-              </a:rPr>
-              <a:t>Помимо того проект показывает такие умения проектной группы как:</a:t>
-            </a:r>
-          </a:p>
-          <a:p>
-            <a:pPr rtl="0" lvl="0" indent="-381000" marL="457200">
-              <a:spcBef>
-                <a:spcPts val="0"/>
-              </a:spcBef>
-              <a:buClr>
-                <a:schemeClr val="dk1"/>
               </a:buClr>
               <a:buSzPct val="100000"/>
               <a:buFont typeface="Arial"/>
               <a:buAutoNum type="arabicPeriod"/>
             </a:pPr>
             <a:r>
-              <a:rPr sz="2400" lang="ru"/>
-              <a:t>Умение работы с CASE-средствами.</a:t>
-            </a:r>
-          </a:p>
-          <a:p>
-            <a:pPr rtl="0" lvl="0" indent="-381000" marL="457200">
+              <a:rPr u="sng" sz="1800" lang="ru">
+                <a:solidFill>
+                  <a:schemeClr val="hlink"/>
+                </a:solidFill>
+                <a:hlinkClick r:id="rId3"/>
+              </a:rPr>
+              <a:t>Предназначение программного продукта</a:t>
+            </a:r>
+            <a:r>
+              <a:rPr sz="1800" lang="ru"/>
+              <a:t>.</a:t>
+            </a:r>
+          </a:p>
+          <a:p>
+            <a:pPr rtl="0" lvl="0" indent="-342900" marL="457200">
               <a:spcBef>
                 <a:spcPts val="0"/>
               </a:spcBef>
               <a:buClr>
-                <a:schemeClr val="dk1"/>
+                <a:srgbClr val="000000"/>
               </a:buClr>
               <a:buSzPct val="100000"/>
               <a:buFont typeface="Arial"/>
               <a:buAutoNum type="arabicPeriod"/>
             </a:pPr>
             <a:r>
-              <a:rPr sz="2400" lang="ru"/>
-              <a:t>Знание языка программирования Java.</a:t>
-            </a:r>
-          </a:p>
-          <a:p>
-            <a:pPr rtl="0" lvl="0" indent="-381000" marL="457200">
+              <a:rPr u="sng" sz="1800" lang="ru">
+                <a:solidFill>
+                  <a:schemeClr val="hlink"/>
+                </a:solidFill>
+                <a:hlinkClick r:id="rId4"/>
+              </a:rPr>
+              <a:t>Применённые технологии</a:t>
+            </a:r>
+            <a:r>
+              <a:rPr sz="1800" lang="ru"/>
+              <a:t>.</a:t>
+            </a:r>
+          </a:p>
+          <a:p>
+            <a:pPr rtl="0" lvl="0" indent="-342900" marL="457200">
               <a:spcBef>
                 <a:spcPts val="0"/>
               </a:spcBef>
               <a:buClr>
-                <a:schemeClr val="dk1"/>
+                <a:srgbClr val="000000"/>
               </a:buClr>
               <a:buSzPct val="100000"/>
               <a:buFont typeface="Arial"/>
               <a:buAutoNum type="arabicPeriod"/>
             </a:pPr>
             <a:r>
-              <a:rPr sz="2400" lang="ru"/>
-              <a:t>Знание платформы JavaEE.</a:t>
-            </a:r>
-          </a:p>
-          <a:p>
-            <a:pPr rtl="0" lvl="0" indent="-381000" marL="457200">
+              <a:rPr u="sng" sz="1800" lang="ru">
+                <a:solidFill>
+                  <a:schemeClr val="hlink"/>
+                </a:solidFill>
+                <a:hlinkClick r:id="rId5"/>
+              </a:rPr>
+              <a:t>Возможности проекта</a:t>
+            </a:r>
+            <a:r>
+              <a:rPr sz="1800" lang="ru"/>
+              <a:t>.</a:t>
+            </a:r>
+          </a:p>
+          <a:p>
+            <a:pPr rtl="0" lvl="0" indent="-342900" marL="457200">
               <a:spcBef>
                 <a:spcPts val="0"/>
               </a:spcBef>
               <a:buClr>
-                <a:schemeClr val="dk1"/>
+                <a:srgbClr val="000000"/>
               </a:buClr>
               <a:buSzPct val="100000"/>
               <a:buFont typeface="Arial"/>
               <a:buAutoNum type="arabicPeriod"/>
             </a:pPr>
             <a:r>
-              <a:rPr sz="2400" lang="ru"/>
-              <a:t>Умение работать с контейнерами сервлетов (GlassFish, Apache Tomcat).</a:t>
-            </a:r>
-          </a:p>
-          <a:p>
-            <a:pPr rtl="0" lvl="0" indent="-381000" marL="457200">
+              <a:rPr u="sng" sz="1800" lang="ru">
+                <a:solidFill>
+                  <a:schemeClr val="hlink"/>
+                </a:solidFill>
+                <a:hlinkClick r:id="rId6"/>
+              </a:rPr>
+              <a:t>Требования</a:t>
+            </a:r>
+            <a:r>
+              <a:rPr sz="1800" lang="ru"/>
+              <a:t>.</a:t>
+            </a:r>
+          </a:p>
+          <a:p>
+            <a:pPr rtl="0" lvl="0" indent="-342900" marL="457200">
               <a:spcBef>
                 <a:spcPts val="0"/>
               </a:spcBef>
               <a:buClr>
-                <a:schemeClr val="dk1"/>
+                <a:srgbClr val="000000"/>
               </a:buClr>
               <a:buSzPct val="100000"/>
               <a:buFont typeface="Arial"/>
               <a:buAutoNum type="arabicPeriod"/>
             </a:pPr>
             <a:r>
-              <a:rPr sz="2400" lang="ru"/>
-              <a:t>Умение работать с СУБД (MySQL).</a:t>
-            </a:r>
-          </a:p>
-          <a:p>
-            <a:pPr lvl="0" indent="-381000" marL="457200">
+              <a:rPr u="sng" sz="1800" lang="ru">
+                <a:solidFill>
+                  <a:schemeClr val="hlink"/>
+                </a:solidFill>
+                <a:hlinkClick r:id="rId7"/>
+              </a:rPr>
+              <a:t>Надёжность программы</a:t>
+            </a:r>
+            <a:r>
+              <a:rPr sz="1800" lang="ru"/>
+              <a:t>.</a:t>
+            </a:r>
+          </a:p>
+          <a:p>
+            <a:pPr rtl="0" lvl="0" indent="-342900" marL="457200">
               <a:spcBef>
                 <a:spcPts val="0"/>
               </a:spcBef>
               <a:buClr>
-                <a:schemeClr val="dk1"/>
+                <a:srgbClr val="000000"/>
               </a:buClr>
               <a:buSzPct val="100000"/>
               <a:buFont typeface="Arial"/>
               <a:buAutoNum type="arabicPeriod"/>
             </a:pPr>
             <a:r>
-              <a:rPr sz="2400" lang="ru"/>
-              <a:t>Умение работать с библиотекой для модульного тестирования JUnit.</a:t>
+              <a:rPr u="sng" sz="1800" lang="ru">
+                <a:solidFill>
+                  <a:schemeClr val="hlink"/>
+                </a:solidFill>
+                <a:hlinkClick r:id="rId8"/>
+              </a:rPr>
+              <a:t>Пример работы исследователя с программой</a:t>
+            </a:r>
+            <a:r>
+              <a:rPr sz="1800" lang="ru"/>
+              <a:t>.</a:t>
+            </a:r>
+          </a:p>
+          <a:p>
+            <a:pPr rtl="0" lvl="0" indent="-342900" marL="457200">
+              <a:spcBef>
+                <a:spcPts val="0"/>
+              </a:spcBef>
+              <a:buClr>
+                <a:srgbClr val="000000"/>
+              </a:buClr>
+              <a:buSzPct val="100000"/>
+              <a:buFont typeface="Arial"/>
+              <a:buAutoNum type="arabicPeriod"/>
+            </a:pPr>
+            <a:r>
+              <a:rPr u="sng" sz="1800" lang="ru">
+                <a:solidFill>
+                  <a:schemeClr val="hlink"/>
+                </a:solidFill>
+                <a:hlinkClick r:id="rId9"/>
+              </a:rPr>
+              <a:t>Преимущества программного продукта</a:t>
+            </a:r>
+            <a:r>
+              <a:rPr sz="1800" lang="ru"/>
+              <a:t>.</a:t>
+            </a:r>
+          </a:p>
+          <a:p>
+            <a:pPr rtl="0" lvl="0" indent="-342900" marL="457200">
+              <a:spcBef>
+                <a:spcPts val="0"/>
+              </a:spcBef>
+              <a:buClr>
+                <a:srgbClr val="000000"/>
+              </a:buClr>
+              <a:buSzPct val="100000"/>
+              <a:buFont typeface="Arial"/>
+              <a:buAutoNum type="arabicPeriod"/>
+            </a:pPr>
+            <a:r>
+              <a:rPr u="sng" sz="1800" lang="ru">
+                <a:solidFill>
+                  <a:schemeClr val="hlink"/>
+                </a:solidFill>
+                <a:hlinkClick r:id="rId10"/>
+              </a:rPr>
+              <a:t>Ссылки на приложения</a:t>
+            </a:r>
+            <a:r>
+              <a:rPr sz="1800" lang="ru"/>
+              <a:t>.</a:t>
             </a:r>
           </a:p>
         </p:txBody>
       </p:sp>
-      <p:pic>
-        <p:nvPicPr>
+      <p:sp>
+        <p:nvSpPr>
           <p:cNvPr id="30" name="Shape 30"/>
-          <p:cNvPicPr preferRelativeResize="0"/>
-          <p:nvPr/>
-        </p:nvPicPr>
-        <p:blipFill>
-          <a:blip r:embed="rId3"/>
-          <a:stretch>
-            <a:fillRect/>
-          </a:stretch>
-        </p:blipFill>
-        <p:spPr>
-          <a:xfrm>
-            <a:off y="1615425" x="7269175"/>
-            <a:ext cy="602925" cx="1739850"/>
-          </a:xfrm>
-          <a:prstGeom prst="rect">
-            <a:avLst/>
-          </a:prstGeom>
-          <a:noFill/>
-          <a:ln>
-            <a:noFill/>
-          </a:ln>
-        </p:spPr>
-      </p:pic>
-      <p:pic>
-        <p:nvPicPr>
-          <p:cNvPr id="31" name="Shape 31"/>
-          <p:cNvPicPr preferRelativeResize="0"/>
-          <p:nvPr/>
-        </p:nvPicPr>
-        <p:blipFill>
-          <a:blip r:embed="rId4"/>
-          <a:stretch>
-            <a:fillRect/>
-          </a:stretch>
-        </p:blipFill>
-        <p:spPr>
-          <a:xfrm>
-            <a:off y="2341510" x="7799750"/>
-            <a:ext cy="744024" cx="1209274"/>
-          </a:xfrm>
-          <a:prstGeom prst="rect">
-            <a:avLst/>
-          </a:prstGeom>
-          <a:noFill/>
-          <a:ln>
-            <a:noFill/>
-          </a:ln>
-        </p:spPr>
-      </p:pic>
-      <p:pic>
-        <p:nvPicPr>
-          <p:cNvPr id="32" name="Shape 32"/>
-          <p:cNvPicPr preferRelativeResize="0"/>
-          <p:nvPr/>
-        </p:nvPicPr>
-        <p:blipFill>
-          <a:blip r:embed="rId5"/>
-          <a:stretch>
-            <a:fillRect/>
-          </a:stretch>
-        </p:blipFill>
-        <p:spPr>
-          <a:xfrm>
-            <a:off y="3208700" x="8225750"/>
-            <a:ext cy="783274" cx="783274"/>
-          </a:xfrm>
-          <a:prstGeom prst="rect">
-            <a:avLst/>
-          </a:prstGeom>
-          <a:noFill/>
-          <a:ln>
-            <a:noFill/>
-          </a:ln>
-        </p:spPr>
-      </p:pic>
-      <p:pic>
-        <p:nvPicPr>
-          <p:cNvPr id="33" name="Shape 33"/>
-          <p:cNvPicPr preferRelativeResize="0"/>
-          <p:nvPr/>
-        </p:nvPicPr>
-        <p:blipFill>
-          <a:blip r:embed="rId6"/>
-          <a:stretch>
-            <a:fillRect/>
-          </a:stretch>
-        </p:blipFill>
-        <p:spPr>
-          <a:xfrm>
-            <a:off y="4146219" x="8117750"/>
-            <a:ext cy="602924" cx="891280"/>
-          </a:xfrm>
-          <a:prstGeom prst="rect">
-            <a:avLst/>
-          </a:prstGeom>
-          <a:noFill/>
-          <a:ln>
-            <a:noFill/>
-          </a:ln>
-        </p:spPr>
-      </p:pic>
-      <p:sp>
-        <p:nvSpPr>
-          <p:cNvPr id="34" name="Shape 34"/>
           <p:cNvSpPr txBox="1"/>
           <p:nvPr/>
         </p:nvSpPr>
         <p:spPr>
           <a:xfrm>
-            <a:off y="4782175" x="8804800"/>
-            <a:ext cy="312000" cx="284999"/>
+            <a:off y="0" x="2637900"/>
+            <a:ext cy="1204499" cx="3868199"/>
           </a:xfrm>
           <a:prstGeom prst="rect">
             <a:avLst/>
@@ -4613,15 +5067,15 @@
           </a:bodyPr>
           <a:lstStyle/>
           <a:p>
-            <a:pPr>
-              <a:spcBef>
-                <a:spcPts val="0"/>
-              </a:spcBef>
-              <a:buNone/>
-            </a:pPr>
-            <a:r>
-              <a:rPr lang="ru"/>
-              <a:t>1</a:t>
+            <a:pPr algn="ctr">
+              <a:spcBef>
+                <a:spcPts val="0"/>
+              </a:spcBef>
+              <a:buNone/>
+            </a:pPr>
+            <a:r>
+              <a:rPr sz="4800" lang="ru"/>
+              <a:t>Содержание</a:t>
             </a:r>
           </a:p>
         </p:txBody>
@@ -4642,7 +5096,7 @@
   <p:cSld>
     <p:spTree>
       <p:nvGrpSpPr>
-        <p:cNvPr id="38" name="Shape 38"/>
+        <p:cNvPr id="34" name="Shape 34"/>
         <p:cNvGrpSpPr/>
         <p:nvPr/>
       </p:nvGrpSpPr>
@@ -4656,43 +5110,7 @@
       </p:grpSpPr>
       <p:sp>
         <p:nvSpPr>
-          <p:cNvPr id="39" name="Shape 39"/>
-          <p:cNvSpPr txBox="1"/>
-          <p:nvPr>
-            <p:ph type="title"/>
-          </p:nvPr>
-        </p:nvSpPr>
-        <p:spPr>
-          <a:xfrm>
-            <a:off y="205978" x="457200"/>
-            <a:ext cy="857400" cx="8229600"/>
-          </a:xfrm>
-          <a:prstGeom prst="rect">
-            <a:avLst/>
-          </a:prstGeom>
-        </p:spPr>
-        <p:txBody>
-          <a:bodyPr bIns="91425" rIns="91425" lIns="91425" tIns="91425" anchor="b" anchorCtr="0">
-            <a:noAutofit/>
-          </a:bodyPr>
-          <a:lstStyle/>
-          <a:p>
-            <a:pPr>
-              <a:spcBef>
-                <a:spcPts val="0"/>
-              </a:spcBef>
-              <a:buNone/>
-            </a:pPr>
-            <a:r>
-              <a:rPr lang="ru"/>
-              <a:t>Возможности проекта</a:t>
-            </a:r>
-          </a:p>
-        </p:txBody>
-      </p:sp>
-      <p:sp>
-        <p:nvSpPr>
-          <p:cNvPr id="40" name="Shape 40"/>
+          <p:cNvPr id="35" name="Shape 35"/>
           <p:cNvSpPr txBox="1"/>
           <p:nvPr>
             <p:ph idx="1" type="body"/>
@@ -4700,8 +5118,8 @@
         </p:nvSpPr>
         <p:spPr>
           <a:xfrm>
-            <a:off y="1200150" x="457200"/>
-            <a:ext cy="3725699" cx="8229600"/>
+            <a:off y="1362100" x="318350"/>
+            <a:ext cy="3542399" cx="7481399"/>
           </a:xfrm>
           <a:prstGeom prst="rect">
             <a:avLst/>
@@ -4713,7 +5131,23 @@
           </a:bodyPr>
           <a:lstStyle/>
           <a:p>
-            <a:pPr rtl="0" lvl="0" indent="-381000" marL="457200">
+            <a:pPr rtl="0" lvl="0">
+              <a:spcBef>
+                <a:spcPts val="0"/>
+              </a:spcBef>
+              <a:buNone/>
+            </a:pPr>
+            <a:r>
+              <a:rPr sz="1800" lang="ru">
+                <a:solidFill>
+                  <a:srgbClr val="000000"/>
+                </a:solidFill>
+              </a:rPr>
+              <a:t>Помимо того проект показывает такие умения проектной группы как:</a:t>
+            </a:r>
+          </a:p>
+          <a:p>
+            <a:pPr rtl="0" lvl="0" indent="-342900" marL="457200">
               <a:spcBef>
                 <a:spcPts val="0"/>
               </a:spcBef>
@@ -4725,12 +5159,12 @@
               <a:buAutoNum type="arabicPeriod"/>
             </a:pPr>
             <a:r>
-              <a:rPr sz="2400" lang="ru"/>
-              <a:t>Проведение симуляций на удаленном сервере.</a:t>
-            </a:r>
-          </a:p>
-          <a:p>
-            <a:pPr rtl="0" lvl="0" indent="-381000" marL="457200">
+              <a:rPr sz="1800" lang="ru"/>
+              <a:t>Умение работы с CASE-средствами.</a:t>
+            </a:r>
+          </a:p>
+          <a:p>
+            <a:pPr rtl="0" lvl="0" indent="-342900" marL="457200">
               <a:spcBef>
                 <a:spcPts val="0"/>
               </a:spcBef>
@@ -4742,12 +5176,12 @@
               <a:buAutoNum type="arabicPeriod"/>
             </a:pPr>
             <a:r>
-              <a:rPr sz="2400" lang="ru"/>
-              <a:t>Одновременный запуск множества симуляций с различными параметрами.</a:t>
-            </a:r>
-          </a:p>
-          <a:p>
-            <a:pPr rtl="0" lvl="0" indent="-381000" marL="457200">
+              <a:rPr sz="1800" lang="ru"/>
+              <a:t>Знание языка программирования Java.</a:t>
+            </a:r>
+          </a:p>
+          <a:p>
+            <a:pPr rtl="0" lvl="0" indent="-342900" marL="457200">
               <a:spcBef>
                 <a:spcPts val="0"/>
               </a:spcBef>
@@ -4759,12 +5193,12 @@
               <a:buAutoNum type="arabicPeriod"/>
             </a:pPr>
             <a:r>
-              <a:rPr sz="2400" lang="ru"/>
-              <a:t>Долговременное хранение отчетов о симуляциях.</a:t>
-            </a:r>
-          </a:p>
-          <a:p>
-            <a:pPr rtl="0" lvl="0" indent="-381000" marL="457200">
+              <a:rPr sz="1800" lang="ru"/>
+              <a:t>Знание платформы JavaEE.</a:t>
+            </a:r>
+          </a:p>
+          <a:p>
+            <a:pPr rtl="0" lvl="0" indent="-342900" marL="457200">
               <a:spcBef>
                 <a:spcPts val="0"/>
               </a:spcBef>
@@ -4776,12 +5210,12 @@
               <a:buAutoNum type="arabicPeriod"/>
             </a:pPr>
             <a:r>
-              <a:rPr sz="2400" lang="ru"/>
-              <a:t>Работа с базой данных средствами программного продукта.</a:t>
-            </a:r>
-          </a:p>
-          <a:p>
-            <a:pPr rtl="0" lvl="0" indent="-381000" marL="457200">
+              <a:rPr sz="1800" lang="ru"/>
+              <a:t>Умение работать с контейнерами сервлетов (GlassFish, Apache Tomcat).</a:t>
+            </a:r>
+          </a:p>
+          <a:p>
+            <a:pPr rtl="0" lvl="0" indent="-342900" marL="457200">
               <a:spcBef>
                 <a:spcPts val="0"/>
               </a:spcBef>
@@ -4793,12 +5227,12 @@
               <a:buAutoNum type="arabicPeriod"/>
             </a:pPr>
             <a:r>
-              <a:rPr sz="2400" lang="ru"/>
-              <a:t>Формирование подробных отчетов о проведенных симуляциях.</a:t>
-            </a:r>
-          </a:p>
-          <a:p>
-            <a:pPr rtl="0" lvl="0" indent="-381000" marL="457200">
+              <a:rPr sz="1800" lang="ru"/>
+              <a:t>Умение работать с СУБД (MySQL).</a:t>
+            </a:r>
+          </a:p>
+          <a:p>
+            <a:pPr rtl="0" lvl="0" indent="-342900" marL="457200">
               <a:spcBef>
                 <a:spcPts val="0"/>
               </a:spcBef>
@@ -4810,15 +5244,135 @@
               <a:buAutoNum type="arabicPeriod"/>
             </a:pPr>
             <a:r>
-              <a:rPr sz="2400" lang="ru"/>
-              <a:t>Формирование списков товаров.</a:t>
+              <a:rPr sz="1800" lang="ru"/>
+              <a:t>Умение работать с библиотекой для модульного тестирования JUnit.</a:t>
+            </a:r>
+          </a:p>
+          <a:p>
+            <a:pPr lvl="0" indent="-342900" marL="457200">
+              <a:spcBef>
+                <a:spcPts val="0"/>
+              </a:spcBef>
+              <a:buClr>
+                <a:schemeClr val="dk1"/>
+              </a:buClr>
+              <a:buSzPct val="100000"/>
+              <a:buFont typeface="Arial"/>
+              <a:buAutoNum type="arabicPeriod"/>
+            </a:pPr>
+            <a:r>
+              <a:rPr sz="1800" lang="ru"/>
+              <a:t>Умение работы с облачным сервисом (PaaS).</a:t>
             </a:r>
           </a:p>
         </p:txBody>
       </p:sp>
-      <p:sp>
-        <p:nvSpPr>
-          <p:cNvPr id="41" name="Shape 41"/>
+      <p:pic>
+        <p:nvPicPr>
+          <p:cNvPr id="36" name="Shape 36"/>
+          <p:cNvPicPr preferRelativeResize="0"/>
+          <p:nvPr/>
+        </p:nvPicPr>
+        <p:blipFill rotWithShape="1">
+          <a:blip r:embed="rId3"/>
+          <a:srcRect t="8220" b="-8219" r="0" l="0"/>
+          <a:stretch/>
+        </p:blipFill>
+        <p:spPr>
+          <a:xfrm>
+            <a:off y="1895500" x="7040575"/>
+            <a:ext cy="602925" cx="1739850"/>
+          </a:xfrm>
+          <a:prstGeom prst="rect">
+            <a:avLst/>
+          </a:prstGeom>
+          <a:noFill/>
+          <a:ln>
+            <a:noFill/>
+          </a:ln>
+        </p:spPr>
+      </p:pic>
+      <p:pic>
+        <p:nvPicPr>
+          <p:cNvPr id="37" name="Shape 37"/>
+          <p:cNvPicPr preferRelativeResize="0"/>
+          <p:nvPr/>
+        </p:nvPicPr>
+        <p:blipFill>
+          <a:blip r:embed="rId4"/>
+          <a:stretch>
+            <a:fillRect/>
+          </a:stretch>
+        </p:blipFill>
+        <p:spPr>
+          <a:xfrm>
+            <a:off y="2262672" x="5589950"/>
+            <a:ext cy="744024" cx="1209274"/>
+          </a:xfrm>
+          <a:prstGeom prst="rect">
+            <a:avLst/>
+          </a:prstGeom>
+          <a:noFill/>
+          <a:ln>
+            <a:noFill/>
+          </a:ln>
+        </p:spPr>
+      </p:pic>
+      <p:pic>
+        <p:nvPicPr>
+          <p:cNvPr id="38" name="Shape 38"/>
+          <p:cNvPicPr preferRelativeResize="0"/>
+          <p:nvPr/>
+        </p:nvPicPr>
+        <p:blipFill>
+          <a:blip r:embed="rId5"/>
+          <a:stretch>
+            <a:fillRect/>
+          </a:stretch>
+        </p:blipFill>
+        <p:spPr>
+          <a:xfrm>
+            <a:off y="2694725" x="8149550"/>
+            <a:ext cy="783274" cx="783274"/>
+          </a:xfrm>
+          <a:prstGeom prst="rect">
+            <a:avLst/>
+          </a:prstGeom>
+          <a:noFill/>
+          <a:ln>
+            <a:noFill/>
+          </a:ln>
+        </p:spPr>
+      </p:pic>
+      <p:pic>
+        <p:nvPicPr>
+          <p:cNvPr id="39" name="Shape 39"/>
+          <p:cNvPicPr preferRelativeResize="0"/>
+          <p:nvPr/>
+        </p:nvPicPr>
+        <p:blipFill>
+          <a:blip r:embed="rId6"/>
+          <a:stretch>
+            <a:fillRect/>
+          </a:stretch>
+        </p:blipFill>
+        <p:spPr>
+          <a:xfrm>
+            <a:off y="3467294" x="7660550"/>
+            <a:ext cy="602924" cx="891280"/>
+          </a:xfrm>
+          <a:prstGeom prst="rect">
+            <a:avLst/>
+          </a:prstGeom>
+          <a:noFill/>
+          <a:ln>
+            <a:noFill/>
+          </a:ln>
+        </p:spPr>
+      </p:pic>
+      <p:sp>
+        <p:nvSpPr>
+          <p:cNvPr id="40" name="Shape 40"/>
           <p:cNvSpPr txBox="1"/>
           <p:nvPr/>
         </p:nvSpPr>
@@ -4837,7 +5391,7 @@
           </a:bodyPr>
           <a:lstStyle/>
           <a:p>
-            <a:pPr rtl="0" lvl="0">
+            <a:pPr>
               <a:spcBef>
                 <a:spcPts val="0"/>
               </a:spcBef>
@@ -4845,11 +5399,92 @@
             </a:pPr>
             <a:r>
               <a:rPr lang="ru"/>
-              <a:t>2</a:t>
+              <a:t>1</a:t>
             </a:r>
           </a:p>
         </p:txBody>
       </p:sp>
+      <p:sp>
+        <p:nvSpPr>
+          <p:cNvPr id="41" name="Shape 41"/>
+          <p:cNvSpPr txBox="1"/>
+          <p:nvPr/>
+        </p:nvSpPr>
+        <p:spPr>
+          <a:xfrm>
+            <a:off y="90225" x="512400"/>
+            <a:ext cy="970500" cx="8119199"/>
+          </a:xfrm>
+          <a:prstGeom prst="rect">
+            <a:avLst/>
+          </a:prstGeom>
+        </p:spPr>
+        <p:txBody>
+          <a:bodyPr bIns="91425" rIns="91425" lIns="91425" tIns="91425" anchor="t" anchorCtr="0">
+            <a:noAutofit/>
+          </a:bodyPr>
+          <a:lstStyle/>
+          <a:p>
+            <a:pPr algn="ctr" rtl="0" lvl="0">
+              <a:spcBef>
+                <a:spcPts val="600"/>
+              </a:spcBef>
+              <a:buClr>
+                <a:schemeClr val="dk1"/>
+              </a:buClr>
+              <a:buSzPct val="45833"/>
+              <a:buFont typeface="Arial"/>
+              <a:buNone/>
+            </a:pPr>
+            <a:r>
+              <a:rPr sz="2400" lang="ru">
+                <a:solidFill>
+                  <a:schemeClr val="dk1"/>
+                </a:solidFill>
+              </a:rPr>
+              <a:t>Данный программный продукт предназначен для проведения симуляции работы торгового терминала.</a:t>
+            </a:r>
+          </a:p>
+          <a:p>
+            <a:pPr algn="ctr">
+              <a:spcBef>
+                <a:spcPts val="0"/>
+              </a:spcBef>
+              <a:buNone/>
+            </a:pPr>
+            <a:r>
+              <a:t/>
+            </a:r>
+            <a:endParaRPr/>
+          </a:p>
+        </p:txBody>
+      </p:sp>
+      <p:pic>
+        <p:nvPicPr>
+          <p:cNvPr id="42" name="Shape 42"/>
+          <p:cNvPicPr preferRelativeResize="0"/>
+          <p:nvPr/>
+        </p:nvPicPr>
+        <p:blipFill>
+          <a:blip r:embed="rId7"/>
+          <a:stretch>
+            <a:fillRect/>
+          </a:stretch>
+        </p:blipFill>
+        <p:spPr>
+          <a:xfrm>
+            <a:off y="4233164" x="6480550"/>
+            <a:ext cy="475124" cx="699675"/>
+          </a:xfrm>
+          <a:prstGeom prst="rect">
+            <a:avLst/>
+          </a:prstGeom>
+          <a:noFill/>
+          <a:ln>
+            <a:noFill/>
+          </a:ln>
+        </p:spPr>
+      </p:pic>
     </p:spTree>
   </p:cSld>
   <p:clrMapOvr>
@@ -4866,7 +5501,7 @@
   <p:cSld>
     <p:spTree>
       <p:nvGrpSpPr>
-        <p:cNvPr id="45" name="Shape 45"/>
+        <p:cNvPr id="46" name="Shape 46"/>
         <p:cNvGrpSpPr/>
         <p:nvPr/>
       </p:nvGrpSpPr>
@@ -4878,156 +5513,9 @@
           <a:chExt cy="0" cx="0"/>
         </a:xfrm>
       </p:grpSpPr>
-      <p:sp>
-        <p:nvSpPr>
-          <p:cNvPr id="46" name="Shape 46"/>
-          <p:cNvSpPr txBox="1"/>
-          <p:nvPr>
-            <p:ph type="title"/>
-          </p:nvPr>
-        </p:nvSpPr>
-        <p:spPr>
-          <a:xfrm>
-            <a:off y="205978" x="457200"/>
-            <a:ext cy="857400" cx="8229600"/>
-          </a:xfrm>
-          <a:prstGeom prst="rect">
-            <a:avLst/>
-          </a:prstGeom>
-        </p:spPr>
-        <p:txBody>
-          <a:bodyPr bIns="91425" rIns="91425" lIns="91425" tIns="91425" anchor="b" anchorCtr="0">
-            <a:noAutofit/>
-          </a:bodyPr>
-          <a:lstStyle/>
-          <a:p>
-            <a:pPr>
-              <a:spcBef>
-                <a:spcPts val="0"/>
-              </a:spcBef>
-              <a:buNone/>
-            </a:pPr>
-            <a:r>
-              <a:rPr lang="ru"/>
-              <a:t>Требования</a:t>
-            </a:r>
-          </a:p>
-        </p:txBody>
-      </p:sp>
-      <p:sp>
-        <p:nvSpPr>
-          <p:cNvPr id="47" name="Shape 47"/>
-          <p:cNvSpPr txBox="1"/>
-          <p:nvPr>
-            <p:ph idx="1" type="body"/>
-          </p:nvPr>
-        </p:nvSpPr>
-        <p:spPr>
-          <a:xfrm>
-            <a:off y="1481075" x="457200"/>
-            <a:ext cy="3725699" cx="8229600"/>
-          </a:xfrm>
-          <a:prstGeom prst="rect">
-            <a:avLst/>
-          </a:prstGeom>
-        </p:spPr>
-        <p:txBody>
-          <a:bodyPr bIns="91425" rIns="91425" lIns="91425" tIns="91425" anchor="t" anchorCtr="0">
-            <a:noAutofit/>
-          </a:bodyPr>
-          <a:lstStyle/>
-          <a:p>
-            <a:pPr rtl="0" lvl="0">
-              <a:spcBef>
-                <a:spcPts val="0"/>
-              </a:spcBef>
-              <a:buNone/>
-            </a:pPr>
-            <a:r>
-              <a:rPr sz="2400" lang="ru"/>
-              <a:t>Для работы программы требуется:</a:t>
-            </a:r>
-          </a:p>
-          <a:p>
-            <a:pPr rtl="0" lvl="0" indent="-381000" marL="457200">
-              <a:spcBef>
-                <a:spcPts val="0"/>
-              </a:spcBef>
-              <a:buClr>
-                <a:schemeClr val="dk1"/>
-              </a:buClr>
-              <a:buSzPct val="100000"/>
-              <a:buFont typeface="Arial"/>
-              <a:buAutoNum type="arabicPeriod"/>
-            </a:pPr>
-            <a:r>
-              <a:rPr sz="2400" lang="ru"/>
-              <a:t>Контейнер сервлетов (GlassFish версии 4 или Apache Tomcat версии 7.0.**)</a:t>
-            </a:r>
-          </a:p>
-          <a:p>
-            <a:pPr rtl="0" lvl="0" indent="-381000" marL="457200">
-              <a:spcBef>
-                <a:spcPts val="0"/>
-              </a:spcBef>
-              <a:buClr>
-                <a:schemeClr val="dk1"/>
-              </a:buClr>
-              <a:buSzPct val="100000"/>
-              <a:buFont typeface="Arial"/>
-              <a:buAutoNum type="arabicPeriod"/>
-            </a:pPr>
-            <a:r>
-              <a:rPr sz="2400" lang="ru"/>
-              <a:t>СУБД MySQL версии 5.6</a:t>
-            </a:r>
-          </a:p>
-          <a:p>
-            <a:pPr rtl="0" lvl="0">
-              <a:spcBef>
-                <a:spcPts val="0"/>
-              </a:spcBef>
-              <a:buNone/>
-            </a:pPr>
-            <a:r>
-              <a:t/>
-            </a:r>
-            <a:endParaRPr sz="2400"/>
-          </a:p>
-          <a:p>
-            <a:pPr rtl="0" lvl="0">
-              <a:spcBef>
-                <a:spcPts val="0"/>
-              </a:spcBef>
-              <a:buNone/>
-            </a:pPr>
-            <a:r>
-              <a:rPr sz="2400" lang="ru"/>
-              <a:t>Требования к пользователю:</a:t>
-            </a:r>
-          </a:p>
-          <a:p>
-            <a:pPr rtl="0" lvl="0" indent="-381000" marL="457200">
-              <a:spcBef>
-                <a:spcPts val="0"/>
-              </a:spcBef>
-              <a:buClr>
-                <a:schemeClr val="dk1"/>
-              </a:buClr>
-              <a:buSzPct val="100000"/>
-              <a:buFont typeface="Arial"/>
-              <a:buAutoNum type="arabicPeriod"/>
-            </a:pPr>
-            <a:r>
-              <a:rPr sz="2400" lang="ru"/>
-              <a:t>Браузер с поддержкой HTML5 и CSS3.</a:t>
-            </a:r>
-          </a:p>
-        </p:txBody>
-      </p:sp>
       <p:pic>
         <p:nvPicPr>
-          <p:cNvPr id="48" name="Shape 48"/>
+          <p:cNvPr id="47" name="Shape 47"/>
           <p:cNvPicPr preferRelativeResize="0"/>
           <p:nvPr/>
         </p:nvPicPr>
@@ -5039,8 +5527,8 @@
         </p:blipFill>
         <p:spPr>
           <a:xfrm>
-            <a:off y="2458925" x="5645275"/>
-            <a:ext cy="1684575" cx="3498724"/>
+            <a:off y="1436474" x="4095312"/>
+            <a:ext cy="3074749" cx="5023774"/>
           </a:xfrm>
           <a:prstGeom prst="rect">
             <a:avLst/>
@@ -5051,6 +5539,40 @@
           </a:ln>
         </p:spPr>
       </p:pic>
+      <p:sp>
+        <p:nvSpPr>
+          <p:cNvPr id="48" name="Shape 48"/>
+          <p:cNvSpPr txBox="1"/>
+          <p:nvPr/>
+        </p:nvSpPr>
+        <p:spPr>
+          <a:xfrm>
+            <a:off y="123900" x="958800"/>
+            <a:ext cy="779399" cx="7226399"/>
+          </a:xfrm>
+          <a:prstGeom prst="rect">
+            <a:avLst/>
+          </a:prstGeom>
+        </p:spPr>
+        <p:txBody>
+          <a:bodyPr bIns="91425" rIns="91425" lIns="91425" tIns="91425" anchor="t" anchorCtr="0">
+            <a:noAutofit/>
+          </a:bodyPr>
+          <a:lstStyle/>
+          <a:p>
+            <a:pPr algn="ctr">
+              <a:spcBef>
+                <a:spcPts val="0"/>
+              </a:spcBef>
+              <a:buNone/>
+            </a:pPr>
+            <a:r>
+              <a:rPr sz="4800" lang="ru"/>
+              <a:t>Облачные технологии</a:t>
+            </a:r>
+          </a:p>
+        </p:txBody>
+      </p:sp>
       <p:pic>
         <p:nvPicPr>
           <p:cNvPr id="49" name="Shape 49"/>
@@ -5065,8 +5587,8 @@
         </p:blipFill>
         <p:spPr>
           <a:xfrm>
-            <a:off y="964200" x="6829650"/>
-            <a:ext cy="1131949" cx="1697949"/>
+            <a:off y="1415375" x="414525"/>
+            <a:ext cy="800100" cx="5448300"/>
           </a:xfrm>
           <a:prstGeom prst="rect">
             <a:avLst/>
@@ -5085,8 +5607,8 @@
         </p:nvSpPr>
         <p:spPr>
           <a:xfrm>
-            <a:off y="4782175" x="8804800"/>
-            <a:ext cy="312000" cx="284999"/>
+            <a:off y="2323775" x="184200"/>
+            <a:ext cy="2187299" cx="4130399"/>
           </a:xfrm>
           <a:prstGeom prst="rect">
             <a:avLst/>
@@ -5105,8 +5627,168 @@
               <a:buNone/>
             </a:pPr>
             <a:r>
+              <a:rPr sz="1800" lang="ru"/>
+              <a:t>Преимущества:</a:t>
+            </a:r>
+          </a:p>
+          <a:p>
+            <a:pPr rtl="0" lvl="0" indent="-342900" marL="457200">
+              <a:spcBef>
+                <a:spcPts val="0"/>
+              </a:spcBef>
+              <a:buClr>
+                <a:srgbClr val="000000"/>
+              </a:buClr>
+              <a:buSzPct val="100000"/>
+              <a:buFont typeface="Verdana"/>
+              <a:buChar char="●"/>
+            </a:pPr>
+            <a:r>
+              <a:rPr sz="1800" lang="ru">
+                <a:solidFill>
+                  <a:schemeClr val="dk1"/>
+                </a:solidFill>
+                <a:latin typeface="Verdana"/>
+                <a:ea typeface="Verdana"/>
+                <a:cs typeface="Verdana"/>
+                <a:sym typeface="Verdana"/>
+              </a:rPr>
+              <a:t>Улучшение доступности.</a:t>
+            </a:r>
+          </a:p>
+          <a:p>
+            <a:pPr rtl="0" lvl="0" indent="-342900" marL="457200">
+              <a:spcBef>
+                <a:spcPts val="0"/>
+              </a:spcBef>
+              <a:buClr>
+                <a:schemeClr val="dk1"/>
+              </a:buClr>
+              <a:buSzPct val="100000"/>
+              <a:buFont typeface="Verdana"/>
+              <a:buChar char="●"/>
+            </a:pPr>
+            <a:r>
+              <a:rPr sz="1800" lang="ru">
+                <a:solidFill>
+                  <a:schemeClr val="dk1"/>
+                </a:solidFill>
+                <a:latin typeface="Verdana"/>
+                <a:ea typeface="Verdana"/>
+                <a:cs typeface="Verdana"/>
+                <a:sym typeface="Verdana"/>
+              </a:rPr>
+              <a:t>Масштабируемость.</a:t>
+            </a:r>
+          </a:p>
+          <a:p>
+            <a:pPr rtl="0" lvl="0" indent="-342900" marL="457200">
+              <a:spcBef>
+                <a:spcPts val="0"/>
+              </a:spcBef>
+              <a:buClr>
+                <a:schemeClr val="dk1"/>
+              </a:buClr>
+              <a:buSzPct val="100000"/>
+              <a:buFont typeface="Verdana"/>
+              <a:buChar char="●"/>
+            </a:pPr>
+            <a:r>
+              <a:rPr sz="1800" lang="ru">
+                <a:solidFill>
+                  <a:schemeClr val="dk1"/>
+                </a:solidFill>
+                <a:latin typeface="Verdana"/>
+                <a:ea typeface="Verdana"/>
+                <a:cs typeface="Verdana"/>
+                <a:sym typeface="Verdana"/>
+              </a:rPr>
+              <a:t>Оптимизация операционной деятельности.</a:t>
+            </a:r>
+          </a:p>
+          <a:p>
+            <a:pPr lvl="0" indent="-342900" marL="457200">
+              <a:spcBef>
+                <a:spcPts val="0"/>
+              </a:spcBef>
+              <a:buClr>
+                <a:schemeClr val="dk1"/>
+              </a:buClr>
+              <a:buSzPct val="100000"/>
+              <a:buFont typeface="Verdana"/>
+              <a:buChar char="●"/>
+            </a:pPr>
+            <a:r>
+              <a:rPr sz="1800" lang="ru">
+                <a:solidFill>
+                  <a:schemeClr val="dk1"/>
+                </a:solidFill>
+                <a:latin typeface="Verdana"/>
+                <a:ea typeface="Verdana"/>
+                <a:cs typeface="Verdana"/>
+                <a:sym typeface="Verdana"/>
+              </a:rPr>
+              <a:t>Увеличение времени безотказной работы.</a:t>
+            </a:r>
+          </a:p>
+        </p:txBody>
+      </p:sp>
+      <p:pic>
+        <p:nvPicPr>
+          <p:cNvPr id="51" name="Shape 51"/>
+          <p:cNvPicPr preferRelativeResize="0"/>
+          <p:nvPr/>
+        </p:nvPicPr>
+        <p:blipFill>
+          <a:blip r:embed="rId5"/>
+          <a:stretch>
+            <a:fillRect/>
+          </a:stretch>
+        </p:blipFill>
+        <p:spPr>
+          <a:xfrm>
+            <a:off y="1436479" x="7389350"/>
+            <a:ext cy="1000074" cx="1472750"/>
+          </a:xfrm>
+          <a:prstGeom prst="rect">
+            <a:avLst/>
+          </a:prstGeom>
+          <a:noFill/>
+          <a:ln>
+            <a:noFill/>
+          </a:ln>
+        </p:spPr>
+      </p:pic>
+      <p:sp>
+        <p:nvSpPr>
+          <p:cNvPr id="52" name="Shape 52"/>
+          <p:cNvSpPr txBox="1"/>
+          <p:nvPr/>
+        </p:nvSpPr>
+        <p:spPr>
+          <a:xfrm>
+            <a:off y="4782175" x="8804800"/>
+            <a:ext cy="312000" cx="284999"/>
+          </a:xfrm>
+          <a:prstGeom prst="rect">
+            <a:avLst/>
+          </a:prstGeom>
+        </p:spPr>
+        <p:txBody>
+          <a:bodyPr bIns="91425" rIns="91425" lIns="91425" tIns="91425" anchor="t" anchorCtr="0">
+            <a:noAutofit/>
+          </a:bodyPr>
+          <a:lstStyle/>
+          <a:p>
+            <a:pPr rtl="0" lvl="0">
+              <a:spcBef>
+                <a:spcPts val="0"/>
+              </a:spcBef>
+              <a:buNone/>
+            </a:pPr>
+            <a:r>
               <a:rPr lang="ru"/>
-              <a:t>3</a:t>
+              <a:t>2</a:t>
             </a:r>
           </a:p>
         </p:txBody>
@@ -5127,7 +5809,7 @@
   <p:cSld>
     <p:spTree>
       <p:nvGrpSpPr>
-        <p:cNvPr id="54" name="Shape 54"/>
+        <p:cNvPr id="56" name="Shape 56"/>
         <p:cNvGrpSpPr/>
         <p:nvPr/>
       </p:nvGrpSpPr>
@@ -5141,7 +5823,7 @@
       </p:grpSpPr>
       <p:sp>
         <p:nvSpPr>
-          <p:cNvPr id="55" name="Shape 55"/>
+          <p:cNvPr id="57" name="Shape 57"/>
           <p:cNvSpPr txBox="1"/>
           <p:nvPr>
             <p:ph type="title"/>
@@ -5149,7 +5831,7 @@
         </p:nvSpPr>
         <p:spPr>
           <a:xfrm>
-            <a:off y="205978" x="457200"/>
+            <a:off y="106803" x="457200"/>
             <a:ext cy="857400" cx="8229600"/>
           </a:xfrm>
           <a:prstGeom prst="rect">
@@ -5162,7 +5844,7 @@
           </a:bodyPr>
           <a:lstStyle/>
           <a:p>
-            <a:pPr>
+            <a:pPr algn="ctr">
               <a:spcBef>
                 <a:spcPts val="0"/>
               </a:spcBef>
@@ -5170,14 +5852,14 @@
             </a:pPr>
             <a:r>
               <a:rPr lang="ru"/>
-              <a:t>Надёжность программы</a:t>
+              <a:t>Возможности проекта</a:t>
             </a:r>
           </a:p>
         </p:txBody>
       </p:sp>
       <p:sp>
         <p:nvSpPr>
-          <p:cNvPr id="56" name="Shape 56"/>
+          <p:cNvPr id="58" name="Shape 58"/>
           <p:cNvSpPr txBox="1"/>
           <p:nvPr>
             <p:ph idx="1" type="body"/>
@@ -5185,7 +5867,7 @@
         </p:nvSpPr>
         <p:spPr>
           <a:xfrm>
-            <a:off y="1360675" x="457200"/>
+            <a:off y="1200150" x="457200"/>
             <a:ext cy="3725699" cx="8229600"/>
           </a:xfrm>
           <a:prstGeom prst="rect">
@@ -5198,46 +5880,112 @@
           </a:bodyPr>
           <a:lstStyle/>
           <a:p>
-            <a:pPr rtl="0" lvl="0">
-              <a:spcBef>
-                <a:spcPts val="0"/>
-              </a:spcBef>
-              <a:buNone/>
+            <a:pPr rtl="0" lvl="0" indent="-381000" marL="457200">
+              <a:spcBef>
+                <a:spcPts val="0"/>
+              </a:spcBef>
+              <a:buClr>
+                <a:schemeClr val="dk1"/>
+              </a:buClr>
+              <a:buSzPct val="100000"/>
+              <a:buFont typeface="Arial"/>
+              <a:buAutoNum type="arabicPeriod"/>
             </a:pPr>
             <a:r>
               <a:rPr sz="2400" lang="ru"/>
-              <a:t>Данный программный продукт был развернут на одном из компьютеров в студенческом общежитии.</a:t>
-            </a:r>
-          </a:p>
-          <a:p>
-            <a:pPr rtl="0" lvl="0">
-              <a:spcBef>
-                <a:spcPts val="0"/>
-              </a:spcBef>
-              <a:buNone/>
+              <a:t>Проведение симуляций в облаке.</a:t>
+            </a:r>
+          </a:p>
+          <a:p>
+            <a:pPr rtl="0" lvl="0" indent="-381000" marL="457200">
+              <a:spcBef>
+                <a:spcPts val="0"/>
+              </a:spcBef>
+              <a:buClr>
+                <a:schemeClr val="dk1"/>
+              </a:buClr>
+              <a:buSzPct val="100000"/>
+              <a:buFont typeface="Arial"/>
+              <a:buAutoNum type="arabicPeriod"/>
             </a:pPr>
             <a:r>
               <a:rPr sz="2400" lang="ru"/>
-              <a:t>После проведения около двухсот симуляций программа продолжала работу без сбоев, было замечено небольшое уменьшение производительности.</a:t>
-            </a:r>
-          </a:p>
-          <a:p>
-            <a:pPr>
-              <a:spcBef>
-                <a:spcPts val="0"/>
-              </a:spcBef>
-              <a:buNone/>
+              <a:t>Одновременный запуск множества симуляций с различными параметрами.</a:t>
+            </a:r>
+          </a:p>
+          <a:p>
+            <a:pPr rtl="0" lvl="0" indent="-381000" marL="457200">
+              <a:spcBef>
+                <a:spcPts val="0"/>
+              </a:spcBef>
+              <a:buClr>
+                <a:schemeClr val="dk1"/>
+              </a:buClr>
+              <a:buSzPct val="100000"/>
+              <a:buFont typeface="Arial"/>
+              <a:buAutoNum type="arabicPeriod"/>
             </a:pPr>
             <a:r>
               <a:rPr sz="2400" lang="ru"/>
-              <a:t>Было выявлено и исправлено несколько ошибок отображения отчетов о симуляциях.</a:t>
+              <a:t>Долговременное хранение отчетов о симуляциях.</a:t>
+            </a:r>
+          </a:p>
+          <a:p>
+            <a:pPr rtl="0" lvl="0" indent="-381000" marL="457200">
+              <a:spcBef>
+                <a:spcPts val="0"/>
+              </a:spcBef>
+              <a:buClr>
+                <a:schemeClr val="dk1"/>
+              </a:buClr>
+              <a:buSzPct val="100000"/>
+              <a:buFont typeface="Arial"/>
+              <a:buAutoNum type="arabicPeriod"/>
+            </a:pPr>
+            <a:r>
+              <a:rPr sz="2400" lang="ru"/>
+              <a:t>Работа с базой данных средствами программного продукта.</a:t>
+            </a:r>
+          </a:p>
+          <a:p>
+            <a:pPr rtl="0" lvl="0" indent="-381000" marL="457200">
+              <a:spcBef>
+                <a:spcPts val="0"/>
+              </a:spcBef>
+              <a:buClr>
+                <a:schemeClr val="dk1"/>
+              </a:buClr>
+              <a:buSzPct val="100000"/>
+              <a:buFont typeface="Arial"/>
+              <a:buAutoNum type="arabicPeriod"/>
+            </a:pPr>
+            <a:r>
+              <a:rPr sz="2400" lang="ru"/>
+              <a:t>Формирование подробных отчетов о проведенных симуляциях.</a:t>
+            </a:r>
+          </a:p>
+          <a:p>
+            <a:pPr rtl="0" lvl="0" indent="-381000" marL="457200">
+              <a:spcBef>
+                <a:spcPts val="0"/>
+              </a:spcBef>
+              <a:buClr>
+                <a:schemeClr val="dk1"/>
+              </a:buClr>
+              <a:buSzPct val="100000"/>
+              <a:buFont typeface="Arial"/>
+              <a:buAutoNum type="arabicPeriod"/>
+            </a:pPr>
+            <a:r>
+              <a:rPr sz="2400" lang="ru"/>
+              <a:t>Формирование списков товаров.</a:t>
             </a:r>
           </a:p>
         </p:txBody>
       </p:sp>
       <p:sp>
         <p:nvSpPr>
-          <p:cNvPr id="57" name="Shape 57"/>
+          <p:cNvPr id="59" name="Shape 59"/>
           <p:cNvSpPr txBox="1"/>
           <p:nvPr/>
         </p:nvSpPr>
@@ -5264,7 +6012,7 @@
             </a:pPr>
             <a:r>
               <a:rPr lang="ru"/>
-              <a:t>4</a:t>
+              <a:t>3</a:t>
             </a:r>
           </a:p>
         </p:txBody>
@@ -5285,7 +6033,7 @@
   <p:cSld>
     <p:spTree>
       <p:nvGrpSpPr>
-        <p:cNvPr id="61" name="Shape 61"/>
+        <p:cNvPr id="63" name="Shape 63"/>
         <p:cNvGrpSpPr/>
         <p:nvPr/>
       </p:nvGrpSpPr>
@@ -5299,7 +6047,7 @@
       </p:grpSpPr>
       <p:sp>
         <p:nvSpPr>
-          <p:cNvPr id="62" name="Shape 62"/>
+          <p:cNvPr id="64" name="Shape 64"/>
           <p:cNvSpPr txBox="1"/>
           <p:nvPr>
             <p:ph type="title"/>
@@ -5307,7 +6055,7 @@
         </p:nvSpPr>
         <p:spPr>
           <a:xfrm>
-            <a:off y="220453" x="457187"/>
+            <a:off y="205978" x="457200"/>
             <a:ext cy="857400" cx="8229600"/>
           </a:xfrm>
           <a:prstGeom prst="rect">
@@ -5315,7 +6063,7 @@
           </a:prstGeom>
         </p:spPr>
         <p:txBody>
-          <a:bodyPr bIns="91425" rIns="91425" lIns="91425" tIns="91425" anchor="ctr" anchorCtr="0">
+          <a:bodyPr bIns="91425" rIns="91425" lIns="91425" tIns="91425" anchor="b" anchorCtr="0">
             <a:noAutofit/>
           </a:bodyPr>
           <a:lstStyle/>
@@ -5327,15 +6075,143 @@
               <a:buNone/>
             </a:pPr>
             <a:r>
-              <a:rPr sz="3000" lang="ru"/>
-              <a:t>Пример работы исследователя с программой</a:t>
+              <a:rPr lang="ru"/>
+              <a:t>Требования</a:t>
+            </a:r>
+          </a:p>
+        </p:txBody>
+      </p:sp>
+      <p:sp>
+        <p:nvSpPr>
+          <p:cNvPr id="65" name="Shape 65"/>
+          <p:cNvSpPr txBox="1"/>
+          <p:nvPr>
+            <p:ph idx="1" type="body"/>
+          </p:nvPr>
+        </p:nvSpPr>
+        <p:spPr>
+          <a:xfrm>
+            <a:off y="1328675" x="457200"/>
+            <a:ext cy="3725699" cx="8229600"/>
+          </a:xfrm>
+          <a:prstGeom prst="rect">
+            <a:avLst/>
+          </a:prstGeom>
+        </p:spPr>
+        <p:txBody>
+          <a:bodyPr bIns="91425" rIns="91425" lIns="91425" tIns="91425" anchor="t" anchorCtr="0">
+            <a:noAutofit/>
+          </a:bodyPr>
+          <a:lstStyle/>
+          <a:p>
+            <a:pPr rtl="0" lvl="0">
+              <a:spcBef>
+                <a:spcPts val="0"/>
+              </a:spcBef>
+              <a:buNone/>
+            </a:pPr>
+            <a:r>
+              <a:rPr sz="2400" lang="ru"/>
+              <a:t>Для работы программы требуется:</a:t>
+            </a:r>
+          </a:p>
+          <a:p>
+            <a:pPr rtl="0" lvl="0" indent="-381000" marL="457200">
+              <a:spcBef>
+                <a:spcPts val="0"/>
+              </a:spcBef>
+              <a:buClr>
+                <a:schemeClr val="dk1"/>
+              </a:buClr>
+              <a:buSzPct val="100000"/>
+              <a:buFont typeface="Arial"/>
+              <a:buAutoNum type="arabicPeriod"/>
+            </a:pPr>
+            <a:r>
+              <a:rPr sz="2400" lang="ru"/>
+              <a:t>Контейнер сервлетов (GlassFish версии 4 или Apache Tomcat версии 7.0.**)</a:t>
+            </a:r>
+          </a:p>
+          <a:p>
+            <a:pPr rtl="0" lvl="0" indent="-381000" marL="457200">
+              <a:spcBef>
+                <a:spcPts val="0"/>
+              </a:spcBef>
+              <a:buClr>
+                <a:schemeClr val="dk1"/>
+              </a:buClr>
+              <a:buSzPct val="100000"/>
+              <a:buFont typeface="Arial"/>
+              <a:buAutoNum type="arabicPeriod"/>
+            </a:pPr>
+            <a:r>
+              <a:rPr sz="2400" lang="ru"/>
+              <a:t>СУБД MySQL версии 5.6</a:t>
+            </a:r>
+          </a:p>
+          <a:p>
+            <a:pPr rtl="0" lvl="0">
+              <a:spcBef>
+                <a:spcPts val="0"/>
+              </a:spcBef>
+              <a:buNone/>
+            </a:pPr>
+            <a:r>
+              <a:t/>
+            </a:r>
+            <a:endParaRPr sz="2400"/>
+          </a:p>
+          <a:p>
+            <a:pPr rtl="0" lvl="0">
+              <a:spcBef>
+                <a:spcPts val="0"/>
+              </a:spcBef>
+              <a:buNone/>
+            </a:pPr>
+            <a:r>
+              <a:rPr sz="2400" lang="ru"/>
+              <a:t>Требования к пользователю:</a:t>
+            </a:r>
+          </a:p>
+          <a:p>
+            <a:pPr rtl="0" lvl="0" indent="-381000" marL="457200">
+              <a:spcBef>
+                <a:spcPts val="0"/>
+              </a:spcBef>
+              <a:buClr>
+                <a:schemeClr val="dk1"/>
+              </a:buClr>
+              <a:buSzPct val="100000"/>
+              <a:buFont typeface="Arial"/>
+              <a:buAutoNum type="arabicPeriod"/>
+            </a:pPr>
+            <a:r>
+              <a:rPr sz="2400" lang="ru"/>
+              <a:t>Браузер с поддержкой HTML5 и CSS3.</a:t>
+            </a:r>
+          </a:p>
+          <a:p>
+            <a:pPr rtl="0" lvl="0" indent="-381000" marL="457200">
+              <a:spcBef>
+                <a:spcPts val="0"/>
+              </a:spcBef>
+              <a:buClr>
+                <a:schemeClr val="dk1"/>
+              </a:buClr>
+              <a:buSzPct val="100000"/>
+              <a:buFont typeface="Arial"/>
+              <a:buAutoNum type="arabicPeriod"/>
+            </a:pPr>
+            <a:r>
+              <a:rPr sz="2400" lang="ru"/>
+              <a:t>Подключение к сети интернет.</a:t>
             </a:r>
           </a:p>
         </p:txBody>
       </p:sp>
       <p:pic>
         <p:nvPicPr>
-          <p:cNvPr id="63" name="Shape 63"/>
+          <p:cNvPr id="66" name="Shape 66"/>
           <p:cNvPicPr preferRelativeResize="0"/>
           <p:nvPr/>
         </p:nvPicPr>
@@ -5347,8 +6223,8 @@
         </p:blipFill>
         <p:spPr>
           <a:xfrm>
-            <a:off y="2747787" x="2500300"/>
-            <a:ext cy="1647825" cx="4143375"/>
+            <a:off y="2458925" x="5645275"/>
+            <a:ext cy="1684575" cx="3498724"/>
           </a:xfrm>
           <a:prstGeom prst="rect">
             <a:avLst/>
@@ -5359,16 +6235,42 @@
           </a:ln>
         </p:spPr>
       </p:pic>
-      <p:sp>
-        <p:nvSpPr>
-          <p:cNvPr id="64" name="Shape 64"/>
+      <p:pic>
+        <p:nvPicPr>
+          <p:cNvPr id="67" name="Shape 67"/>
+          <p:cNvPicPr preferRelativeResize="0"/>
+          <p:nvPr/>
+        </p:nvPicPr>
+        <p:blipFill>
+          <a:blip r:embed="rId4"/>
+          <a:stretch>
+            <a:fillRect/>
+          </a:stretch>
+        </p:blipFill>
+        <p:spPr>
+          <a:xfrm>
+            <a:off y="964200" x="6829650"/>
+            <a:ext cy="1131949" cx="1697949"/>
+          </a:xfrm>
+          <a:prstGeom prst="rect">
+            <a:avLst/>
+          </a:prstGeom>
+          <a:noFill/>
+          <a:ln>
+            <a:noFill/>
+          </a:ln>
+        </p:spPr>
+      </p:pic>
+      <p:sp>
+        <p:nvSpPr>
+          <p:cNvPr id="68" name="Shape 68"/>
           <p:cNvSpPr txBox="1"/>
           <p:nvPr/>
         </p:nvSpPr>
         <p:spPr>
           <a:xfrm>
-            <a:off y="1671487" x="2500350"/>
-            <a:ext cy="702299" cx="4143300"/>
+            <a:off y="4782175" x="8804800"/>
+            <a:ext cy="312000" cx="284999"/>
           </a:xfrm>
           <a:prstGeom prst="rect">
             <a:avLst/>
@@ -5380,40 +6282,6 @@
           </a:bodyPr>
           <a:lstStyle/>
           <a:p>
-            <a:pPr algn="ctr">
-              <a:spcBef>
-                <a:spcPts val="0"/>
-              </a:spcBef>
-              <a:buNone/>
-            </a:pPr>
-            <a:r>
-              <a:rPr sz="2400" lang="ru"/>
-              <a:t>Внешний вид главной страницы.</a:t>
-            </a:r>
-          </a:p>
-        </p:txBody>
-      </p:sp>
-      <p:sp>
-        <p:nvSpPr>
-          <p:cNvPr id="65" name="Shape 65"/>
-          <p:cNvSpPr txBox="1"/>
-          <p:nvPr/>
-        </p:nvSpPr>
-        <p:spPr>
-          <a:xfrm>
-            <a:off y="4782175" x="8804800"/>
-            <a:ext cy="312000" cx="284999"/>
-          </a:xfrm>
-          <a:prstGeom prst="rect">
-            <a:avLst/>
-          </a:prstGeom>
-        </p:spPr>
-        <p:txBody>
-          <a:bodyPr bIns="91425" rIns="91425" lIns="91425" tIns="91425" anchor="t" anchorCtr="0">
-            <a:noAutofit/>
-          </a:bodyPr>
-          <a:lstStyle/>
-          <a:p>
             <a:pPr rtl="0" lvl="0">
               <a:spcBef>
                 <a:spcPts val="0"/>
@@ -5422,7 +6290,7 @@
             </a:pPr>
             <a:r>
               <a:rPr lang="ru"/>
-              <a:t>5</a:t>
+              <a:t>4</a:t>
             </a:r>
           </a:p>
         </p:txBody>
@@ -5443,7 +6311,7 @@
   <p:cSld>
     <p:spTree>
       <p:nvGrpSpPr>
-        <p:cNvPr id="69" name="Shape 69"/>
+        <p:cNvPr id="72" name="Shape 72"/>
         <p:cNvGrpSpPr/>
         <p:nvPr/>
       </p:nvGrpSpPr>
@@ -5455,42 +6323,54 @@
           <a:chExt cy="0" cx="0"/>
         </a:xfrm>
       </p:grpSpPr>
-      <p:pic>
-        <p:nvPicPr>
-          <p:cNvPr id="70" name="Shape 70"/>
-          <p:cNvPicPr preferRelativeResize="0"/>
-          <p:nvPr/>
-        </p:nvPicPr>
-        <p:blipFill>
-          <a:blip r:embed="rId3"/>
-          <a:stretch>
-            <a:fillRect/>
-          </a:stretch>
-        </p:blipFill>
-        <p:spPr>
-          <a:xfrm>
-            <a:off y="1387550" x="2430124"/>
-            <a:ext cy="3245799" cx="4283749"/>
-          </a:xfrm>
-          <a:prstGeom prst="rect">
-            <a:avLst/>
-          </a:prstGeom>
-          <a:noFill/>
-          <a:ln>
-            <a:noFill/>
-          </a:ln>
-        </p:spPr>
-      </p:pic>
-      <p:sp>
-        <p:nvSpPr>
-          <p:cNvPr id="71" name="Shape 71"/>
+      <p:sp>
+        <p:nvSpPr>
+          <p:cNvPr id="73" name="Shape 73"/>
           <p:cNvSpPr txBox="1"/>
-          <p:nvPr/>
-        </p:nvSpPr>
-        <p:spPr>
-          <a:xfrm>
-            <a:off y="193975" x="2557050"/>
-            <a:ext cy="1003199" cx="4029899"/>
+          <p:nvPr>
+            <p:ph type="title"/>
+          </p:nvPr>
+        </p:nvSpPr>
+        <p:spPr>
+          <a:xfrm>
+            <a:off y="213053" x="457200"/>
+            <a:ext cy="857400" cx="8229600"/>
+          </a:xfrm>
+          <a:prstGeom prst="rect">
+            <a:avLst/>
+          </a:prstGeom>
+        </p:spPr>
+        <p:txBody>
+          <a:bodyPr bIns="91425" rIns="91425" lIns="91425" tIns="91425" anchor="b" anchorCtr="0">
+            <a:noAutofit/>
+          </a:bodyPr>
+          <a:lstStyle/>
+          <a:p>
+            <a:pPr algn="ctr">
+              <a:spcBef>
+                <a:spcPts val="0"/>
+              </a:spcBef>
+              <a:buNone/>
+            </a:pPr>
+            <a:r>
+              <a:rPr lang="ru"/>
+              <a:t>Надёжность программы</a:t>
+            </a:r>
+          </a:p>
+        </p:txBody>
+      </p:sp>
+      <p:sp>
+        <p:nvSpPr>
+          <p:cNvPr id="74" name="Shape 74"/>
+          <p:cNvSpPr txBox="1"/>
+          <p:nvPr>
+            <p:ph idx="1" type="body"/>
+          </p:nvPr>
+        </p:nvSpPr>
+        <p:spPr>
+          <a:xfrm>
+            <a:off y="1360675" x="457200"/>
+            <a:ext cy="3725699" cx="8229600"/>
           </a:xfrm>
           <a:prstGeom prst="rect">
             <a:avLst/>
@@ -5502,26 +6382,90 @@
           </a:bodyPr>
           <a:lstStyle/>
           <a:p>
-            <a:pPr algn="ctr">
-              <a:spcBef>
-                <a:spcPts val="0"/>
-              </a:spcBef>
-              <a:buNone/>
-            </a:pPr>
+            <a:pPr rtl="0" lvl="0">
+              <a:spcBef>
+                <a:spcPts val="0"/>
+              </a:spcBef>
+              <a:buNone/>
+            </a:pPr>
+            <a:r>
+              <a:rPr sz="2400" lang="ru"/>
+              <a:t>Данный программный продукт был развернут на одном из облачных сервисов, а именно Windows Azure </a:t>
+            </a:r>
             <a:r>
               <a:rPr sz="2400" lang="ru">
                 <a:solidFill>
-                  <a:schemeClr val="dk1"/>
+                  <a:srgbClr val="252525"/>
                 </a:solidFill>
               </a:rPr>
-              <a:t>Внешний вид страницы работы со списком товаров</a:t>
+              <a:t>(</a:t>
+            </a:r>
+            <a:r>
+              <a:rPr sz="2400" lang="ru" i="1">
+                <a:solidFill>
+                  <a:srgbClr val="252525"/>
+                </a:solidFill>
+              </a:rPr>
+              <a:t>PaaS</a:t>
+            </a:r>
+            <a:r>
+              <a:rPr sz="2400" lang="ru">
+                <a:solidFill>
+                  <a:srgbClr val="252525"/>
+                </a:solidFill>
+              </a:rPr>
+              <a:t>, </a:t>
+            </a:r>
+            <a:r>
+              <a:rPr sz="2400" lang="ru" i="1">
+                <a:solidFill>
+                  <a:srgbClr val="252525"/>
+                </a:solidFill>
+              </a:rPr>
+              <a:t>«платформа как услуга»</a:t>
+            </a:r>
+            <a:r>
+              <a:rPr sz="2400" lang="ru">
+                <a:solidFill>
+                  <a:srgbClr val="252525"/>
+                </a:solidFill>
+              </a:rPr>
+              <a:t>)</a:t>
+            </a:r>
+            <a:r>
+              <a:rPr sz="2400" lang="ru"/>
+              <a:t>.</a:t>
+            </a:r>
+          </a:p>
+          <a:p>
+            <a:pPr rtl="0" lvl="0">
+              <a:spcBef>
+                <a:spcPts val="0"/>
+              </a:spcBef>
+              <a:buNone/>
+            </a:pPr>
+            <a:r>
+              <a:rPr sz="2400" lang="ru"/>
+              <a:t>После проведения около двухсот симуляций ПО продолжала работу без сбоев, было замечено небольшое уменьшение производительности.</a:t>
+            </a:r>
+          </a:p>
+          <a:p>
+            <a:pPr>
+              <a:spcBef>
+                <a:spcPts val="0"/>
+              </a:spcBef>
+              <a:buNone/>
+            </a:pPr>
+            <a:r>
+              <a:rPr sz="2400" lang="ru"/>
+              <a:t>Было выявлено и исправлено несколько ошибок отображения отчетов о симуляциях.</a:t>
             </a:r>
           </a:p>
         </p:txBody>
       </p:sp>
       <p:sp>
         <p:nvSpPr>
-          <p:cNvPr id="72" name="Shape 72"/>
+          <p:cNvPr id="75" name="Shape 75"/>
           <p:cNvSpPr txBox="1"/>
           <p:nvPr/>
         </p:nvSpPr>
@@ -5548,7 +6492,7 @@
             </a:pPr>
             <a:r>
               <a:rPr lang="ru"/>
-              <a:t>6</a:t>
+              <a:t>5</a:t>
             </a:r>
           </a:p>
         </p:txBody>
@@ -5569,7 +6513,7 @@
   <p:cSld>
     <p:spTree>
       <p:nvGrpSpPr>
-        <p:cNvPr id="76" name="Shape 76"/>
+        <p:cNvPr id="79" name="Shape 79"/>
         <p:cNvGrpSpPr/>
         <p:nvPr/>
       </p:nvGrpSpPr>
@@ -5583,45 +6527,43 @@
       </p:grpSpPr>
       <p:sp>
         <p:nvSpPr>
-          <p:cNvPr id="77" name="Shape 77"/>
+          <p:cNvPr id="80" name="Shape 80"/>
           <p:cNvSpPr txBox="1"/>
-          <p:nvPr/>
-        </p:nvSpPr>
-        <p:spPr>
-          <a:xfrm>
-            <a:off y="66900" x="2557050"/>
-            <a:ext cy="1003199" cx="4029899"/>
+          <p:nvPr>
+            <p:ph type="title"/>
+          </p:nvPr>
+        </p:nvSpPr>
+        <p:spPr>
+          <a:xfrm>
+            <a:off y="220453" x="457187"/>
+            <a:ext cy="857400" cx="8229600"/>
           </a:xfrm>
           <a:prstGeom prst="rect">
             <a:avLst/>
           </a:prstGeom>
         </p:spPr>
         <p:txBody>
-          <a:bodyPr bIns="91425" rIns="91425" lIns="91425" tIns="91425" anchor="t" anchorCtr="0">
+          <a:bodyPr bIns="91425" rIns="91425" lIns="91425" tIns="91425" anchor="ctr" anchorCtr="0">
             <a:noAutofit/>
           </a:bodyPr>
           <a:lstStyle/>
           <a:p>
-            <a:pPr algn="ctr" rtl="0" lvl="0">
-              <a:spcBef>
-                <a:spcPts val="0"/>
-              </a:spcBef>
-              <a:buNone/>
-            </a:pPr>
-            <a:r>
-              <a:rPr sz="2400" lang="ru">
-                <a:solidFill>
-                  <a:schemeClr val="dk1"/>
-                </a:solidFill>
-              </a:rPr>
-              <a:t>Внешний вид страницы просмотра списка товаров</a:t>
+            <a:pPr algn="ctr">
+              <a:spcBef>
+                <a:spcPts val="0"/>
+              </a:spcBef>
+              <a:buNone/>
+            </a:pPr>
+            <a:r>
+              <a:rPr sz="3000" lang="ru"/>
+              <a:t>Пример работы исследователя с программой</a:t>
             </a:r>
           </a:p>
         </p:txBody>
       </p:sp>
       <p:pic>
         <p:nvPicPr>
-          <p:cNvPr id="78" name="Shape 78"/>
+          <p:cNvPr id="81" name="Shape 81"/>
           <p:cNvPicPr preferRelativeResize="0"/>
           <p:nvPr/>
         </p:nvPicPr>
@@ -5633,8 +6575,8 @@
         </p:blipFill>
         <p:spPr>
           <a:xfrm>
-            <a:off y="1268025" x="2557050"/>
-            <a:ext cy="3430244" cx="4029900"/>
+            <a:off y="2747787" x="2500300"/>
+            <a:ext cy="1647825" cx="4143375"/>
           </a:xfrm>
           <a:prstGeom prst="rect">
             <a:avLst/>
@@ -5647,14 +6589,14 @@
       </p:pic>
       <p:sp>
         <p:nvSpPr>
-          <p:cNvPr id="79" name="Shape 79"/>
+          <p:cNvPr id="82" name="Shape 82"/>
           <p:cNvSpPr txBox="1"/>
           <p:nvPr/>
         </p:nvSpPr>
         <p:spPr>
           <a:xfrm>
-            <a:off y="4782175" x="8804800"/>
-            <a:ext cy="312000" cx="284999"/>
+            <a:off y="1671487" x="2500350"/>
+            <a:ext cy="702299" cx="4143300"/>
           </a:xfrm>
           <a:prstGeom prst="rect">
             <a:avLst/>
@@ -5666,6 +6608,40 @@
           </a:bodyPr>
           <a:lstStyle/>
           <a:p>
+            <a:pPr algn="ctr">
+              <a:spcBef>
+                <a:spcPts val="0"/>
+              </a:spcBef>
+              <a:buNone/>
+            </a:pPr>
+            <a:r>
+              <a:rPr sz="2400" lang="ru"/>
+              <a:t>Внешний вид главной страницы.</a:t>
+            </a:r>
+          </a:p>
+        </p:txBody>
+      </p:sp>
+      <p:sp>
+        <p:nvSpPr>
+          <p:cNvPr id="83" name="Shape 83"/>
+          <p:cNvSpPr txBox="1"/>
+          <p:nvPr/>
+        </p:nvSpPr>
+        <p:spPr>
+          <a:xfrm>
+            <a:off y="4782175" x="8804800"/>
+            <a:ext cy="312000" cx="284999"/>
+          </a:xfrm>
+          <a:prstGeom prst="rect">
+            <a:avLst/>
+          </a:prstGeom>
+        </p:spPr>
+        <p:txBody>
+          <a:bodyPr bIns="91425" rIns="91425" lIns="91425" tIns="91425" anchor="t" anchorCtr="0">
+            <a:noAutofit/>
+          </a:bodyPr>
+          <a:lstStyle/>
+          <a:p>
             <a:pPr rtl="0" lvl="0">
               <a:spcBef>
                 <a:spcPts val="0"/>
@@ -5674,7 +6650,7 @@
             </a:pPr>
             <a:r>
               <a:rPr lang="ru"/>
-              <a:t>7</a:t>
+              <a:t>6</a:t>
             </a:r>
           </a:p>
         </p:txBody>
@@ -5695,7 +6671,7 @@
   <p:cSld>
     <p:spTree>
       <p:nvGrpSpPr>
-        <p:cNvPr id="83" name="Shape 83"/>
+        <p:cNvPr id="87" name="Shape 87"/>
         <p:cNvGrpSpPr/>
         <p:nvPr/>
       </p:nvGrpSpPr>
@@ -5707,47 +6683,9 @@
           <a:chExt cy="0" cx="0"/>
         </a:xfrm>
       </p:grpSpPr>
-      <p:sp>
-        <p:nvSpPr>
-          <p:cNvPr id="84" name="Shape 84"/>
-          <p:cNvSpPr txBox="1"/>
-          <p:nvPr/>
-        </p:nvSpPr>
-        <p:spPr>
-          <a:xfrm>
-            <a:off y="45475" x="2557050"/>
-            <a:ext cy="1003199" cx="4029899"/>
-          </a:xfrm>
-          <a:prstGeom prst="rect">
-            <a:avLst/>
-          </a:prstGeom>
-        </p:spPr>
-        <p:txBody>
-          <a:bodyPr bIns="91425" rIns="91425" lIns="91425" tIns="91425" anchor="t" anchorCtr="0">
-            <a:noAutofit/>
-          </a:bodyPr>
-          <a:lstStyle/>
-          <a:p>
-            <a:pPr algn="ctr" rtl="0" lvl="0">
-              <a:spcBef>
-                <a:spcPts val="0"/>
-              </a:spcBef>
-              <a:buNone/>
-            </a:pPr>
-            <a:r>
-              <a:rPr sz="2400" lang="ru">
-                <a:solidFill>
-                  <a:schemeClr val="dk1"/>
-                </a:solidFill>
-              </a:rPr>
-              <a:t>Внешний вид страницы задания параметров симуляции</a:t>
-            </a:r>
-          </a:p>
-        </p:txBody>
-      </p:sp>
       <p:pic>
         <p:nvPicPr>
-          <p:cNvPr id="85" name="Shape 85"/>
+          <p:cNvPr id="88" name="Shape 88"/>
           <p:cNvPicPr preferRelativeResize="0"/>
           <p:nvPr/>
         </p:nvPicPr>
@@ -5759,8 +6697,8 @@
         </p:blipFill>
         <p:spPr>
           <a:xfrm>
-            <a:off y="2154450" x="2290762"/>
-            <a:ext cy="2286000" cx="4562475"/>
+            <a:off y="1387550" x="2430124"/>
+            <a:ext cy="3245799" cx="4283749"/>
           </a:xfrm>
           <a:prstGeom prst="rect">
             <a:avLst/>
@@ -5773,14 +6711,14 @@
       </p:pic>
       <p:sp>
         <p:nvSpPr>
-          <p:cNvPr id="86" name="Shape 86"/>
+          <p:cNvPr id="89" name="Shape 89"/>
           <p:cNvSpPr txBox="1"/>
           <p:nvPr/>
         </p:nvSpPr>
         <p:spPr>
           <a:xfrm>
-            <a:off y="4782175" x="8804800"/>
-            <a:ext cy="312000" cx="284999"/>
+            <a:off y="193975" x="2557050"/>
+            <a:ext cy="1003199" cx="4029899"/>
           </a:xfrm>
           <a:prstGeom prst="rect">
             <a:avLst/>
@@ -5792,6 +6730,44 @@
           </a:bodyPr>
           <a:lstStyle/>
           <a:p>
+            <a:pPr algn="ctr">
+              <a:spcBef>
+                <a:spcPts val="0"/>
+              </a:spcBef>
+              <a:buNone/>
+            </a:pPr>
+            <a:r>
+              <a:rPr sz="2400" lang="ru">
+                <a:solidFill>
+                  <a:schemeClr val="dk1"/>
+                </a:solidFill>
+              </a:rPr>
+              <a:t>Внешний вид страницы работы со списком товаров</a:t>
+            </a:r>
+          </a:p>
+        </p:txBody>
+      </p:sp>
+      <p:sp>
+        <p:nvSpPr>
+          <p:cNvPr id="90" name="Shape 90"/>
+          <p:cNvSpPr txBox="1"/>
+          <p:nvPr/>
+        </p:nvSpPr>
+        <p:spPr>
+          <a:xfrm>
+            <a:off y="4782175" x="8804800"/>
+            <a:ext cy="312000" cx="284999"/>
+          </a:xfrm>
+          <a:prstGeom prst="rect">
+            <a:avLst/>
+          </a:prstGeom>
+        </p:spPr>
+        <p:txBody>
+          <a:bodyPr bIns="91425" rIns="91425" lIns="91425" tIns="91425" anchor="t" anchorCtr="0">
+            <a:noAutofit/>
+          </a:bodyPr>
+          <a:lstStyle/>
+          <a:p>
             <a:pPr rtl="0" lvl="0">
               <a:spcBef>
                 <a:spcPts val="0"/>
@@ -5800,7 +6776,7 @@
             </a:pPr>
             <a:r>
               <a:rPr lang="ru"/>
-              <a:t>8</a:t>
+              <a:t>7</a:t>
             </a:r>
           </a:p>
         </p:txBody>
@@ -6135,6 +7111,283 @@
 </file>
 
 <file path=ppt/theme/theme2.xml><?xml version="1.0" encoding="utf-8"?>
+<a:theme xmlns:a="http://schemas.openxmlformats.org/drawingml/2006/main" xmlns:r="http://schemas.openxmlformats.org/officeDocument/2006/relationships" name="simple-light">
+  <a:themeElements>
+    <a:clrScheme name="Custom 347">
+      <a:dk1>
+        <a:srgbClr val="000000"/>
+      </a:dk1>
+      <a:lt1>
+        <a:srgbClr val="FFFFFF"/>
+      </a:lt1>
+      <a:dk2>
+        <a:srgbClr val="666666"/>
+      </a:dk2>
+      <a:lt2>
+        <a:srgbClr val="CCCCCC"/>
+      </a:lt2>
+      <a:accent1>
+        <a:srgbClr val="3A81BA"/>
+      </a:accent1>
+      <a:accent2>
+        <a:srgbClr val="D89F39"/>
+      </a:accent2>
+      <a:accent3>
+        <a:srgbClr val="8BAB42"/>
+      </a:accent3>
+      <a:accent4>
+        <a:srgbClr val="57A7B5"/>
+      </a:accent4>
+      <a:accent5>
+        <a:srgbClr val="8B81D2"/>
+      </a:accent5>
+      <a:accent6>
+        <a:srgbClr val="963334"/>
+      </a:accent6>
+      <a:hlink>
+        <a:srgbClr val="1155CC"/>
+      </a:hlink>
+      <a:folHlink>
+        <a:srgbClr val="6611CC"/>
+      </a:folHlink>
+    </a:clrScheme>
+    <a:fontScheme name="Office">
+      <a:majorFont>
+        <a:latin typeface="Arial"/>
+        <a:ea typeface=""/>
+        <a:cs typeface=""/>
+        <a:font typeface="ＭＳ Ｐゴシック" script="Jpan"/>
+        <a:font typeface="맑은 고딕" script="Hang"/>
+        <a:font typeface="宋体" script="Hans"/>
+        <a:font typeface="新細明體" script="Hant"/>
+        <a:font typeface="Times New Roman" script="Arab"/>
+        <a:font typeface="Times New Roman" script="Hebr"/>
+        <a:font typeface="Angsana New" script="Thai"/>
+        <a:font typeface="Nyala" script="Ethi"/>
+        <a:font typeface="Vrinda" script="Beng"/>
+        <a:font typeface="Shruti" script="Gujr"/>
+        <a:font typeface="MoolBoran" script="Khmr"/>
+        <a:font typeface="Tunga" script="Knda"/>
+        <a:font typeface="Raavi" script="Guru"/>
+        <a:font typeface="Euphemia" script="Cans"/>
+        <a:font typeface="Plantagenet Cherokee" script="Cher"/>
+        <a:font typeface="Microsoft Yi Baiti" script="Yiii"/>
+        <a:font typeface="Microsoft Himalaya" script="Tibt"/>
+        <a:font typeface="MV Boli" script="Thaa"/>
+        <a:font typeface="Mangal" script="Deva"/>
+        <a:font typeface="Gautami" script="Telu"/>
+        <a:font typeface="Latha" script="Taml"/>
+        <a:font typeface="Estrangelo Edessa" script="Syrc"/>
+        <a:font typeface="Kalinga" script="Orya"/>
+        <a:font typeface="Kartika" script="Mlym"/>
+        <a:font typeface="DokChampa" script="Laoo"/>
+        <a:font typeface="Iskoola Pota" script="Sinh"/>
+        <a:font typeface="Mongolian Baiti" script="Mong"/>
+        <a:font typeface="Times New Roman" script="Viet"/>
+        <a:font typeface="Microsoft Uighur" script="Uigh"/>
+      </a:majorFont>
+      <a:minorFont>
+        <a:latin typeface="Arial"/>
+        <a:ea typeface=""/>
+        <a:cs typeface=""/>
+        <a:font typeface="ＭＳ Ｐゴシック" script="Jpan"/>
+        <a:font typeface="맑은 고딕" script="Hang"/>
+        <a:font typeface="宋体" script="Hans"/>
+        <a:font typeface="新細明體" script="Hant"/>
+        <a:font typeface="Arial" script="Arab"/>
+        <a:font typeface="Arial" script="Hebr"/>
+        <a:font typeface="Cordia New" script="Thai"/>
+        <a:font typeface="Nyala" script="Ethi"/>
+        <a:font typeface="Vrinda" script="Beng"/>
+        <a:font typeface="Shruti" script="Gujr"/>
+        <a:font typeface="DaunPenh" script="Khmr"/>
+        <a:font typeface="Tunga" script="Knda"/>
+        <a:font typeface="Raavi" script="Guru"/>
+        <a:font typeface="Euphemia" script="Cans"/>
+        <a:font typeface="Plantagenet Cherokee" script="Cher"/>
+        <a:font typeface="Microsoft Yi Baiti" script="Yiii"/>
+        <a:font typeface="Microsoft Himalaya" script="Tibt"/>
+        <a:font typeface="MV Boli" script="Thaa"/>
+        <a:font typeface="Mangal" script="Deva"/>
+        <a:font typeface="Gautami" script="Telu"/>
+        <a:font typeface="Latha" script="Taml"/>
+        <a:font typeface="Estrangelo Edessa" script="Syrc"/>
+        <a:font typeface="Kalinga" script="Orya"/>
+        <a:font typeface="Kartika" script="Mlym"/>
+        <a:font typeface="DokChampa" script="Laoo"/>
+        <a:font typeface="Iskoola Pota" script="Sinh"/>
+        <a:font typeface="Mongolian Baiti" script="Mong"/>
+        <a:font typeface="Arial" script="Viet"/>
+        <a:font typeface="Microsoft Uighur" script="Uigh"/>
+      </a:minorFont>
+    </a:fontScheme>
+    <a:fmtScheme name="Office">
+      <a:fillStyleLst>
+        <a:solidFill>
+          <a:schemeClr val="phClr"/>
+        </a:solidFill>
+        <a:gradFill rotWithShape="1">
+          <a:gsLst>
+            <a:gs pos="0">
+              <a:schemeClr val="phClr">
+                <a:tint val="50000"/>
+                <a:satMod val="300000"/>
+              </a:schemeClr>
+            </a:gs>
+            <a:gs pos="35000">
+              <a:schemeClr val="phClr">
+                <a:tint val="37000"/>
+                <a:satMod val="300000"/>
+              </a:schemeClr>
+            </a:gs>
+            <a:gs pos="100000">
+              <a:schemeClr val="phClr">
+                <a:tint val="15000"/>
+                <a:satMod val="350000"/>
+              </a:schemeClr>
+            </a:gs>
+          </a:gsLst>
+          <a:lin ang="16200000" scaled="1"/>
+        </a:gradFill>
+        <a:gradFill rotWithShape="1">
+          <a:gsLst>
+            <a:gs pos="0">
+              <a:schemeClr val="phClr">
+                <a:tint val="100000"/>
+                <a:shade val="100000"/>
+                <a:satMod val="130000"/>
+              </a:schemeClr>
+            </a:gs>
+            <a:gs pos="100000">
+              <a:schemeClr val="phClr">
+                <a:tint val="50000"/>
+                <a:shade val="100000"/>
+                <a:satMod val="350000"/>
+              </a:schemeClr>
+            </a:gs>
+          </a:gsLst>
+          <a:lin ang="16200000" scaled="0"/>
+        </a:gradFill>
+      </a:fillStyleLst>
+      <a:lnStyleLst>
+        <a:ln w="9525" algn="ctr" cap="flat" cmpd="sng">
+          <a:solidFill>
+            <a:schemeClr val="phClr">
+              <a:shade val="95000"/>
+              <a:satMod val="105000"/>
+            </a:schemeClr>
+          </a:solidFill>
+          <a:prstDash val="solid"/>
+        </a:ln>
+        <a:ln w="25400" algn="ctr" cap="flat" cmpd="sng">
+          <a:solidFill>
+            <a:schemeClr val="phClr"/>
+          </a:solidFill>
+          <a:prstDash val="solid"/>
+        </a:ln>
+        <a:ln w="38100" algn="ctr" cap="flat" cmpd="sng">
+          <a:solidFill>
+            <a:schemeClr val="phClr"/>
+          </a:solidFill>
+          <a:prstDash val="solid"/>
+        </a:ln>
+      </a:lnStyleLst>
+      <a:effectStyleLst>
+        <a:effectStyle>
+          <a:effectLst>
+            <a:outerShdw rotWithShape="0" dir="5400000" blurRad="40000" dist="20000">
+              <a:srgbClr val="000000">
+                <a:alpha val="38000"/>
+              </a:srgbClr>
+            </a:outerShdw>
+          </a:effectLst>
+        </a:effectStyle>
+        <a:effectStyle>
+          <a:effectLst>
+            <a:outerShdw rotWithShape="0" dir="5400000" blurRad="40000" dist="23000">
+              <a:srgbClr val="000000">
+                <a:alpha val="35000"/>
+              </a:srgbClr>
+            </a:outerShdw>
+          </a:effectLst>
+        </a:effectStyle>
+        <a:effectStyle>
+          <a:effectLst>
+            <a:outerShdw rotWithShape="0" dir="5400000" blurRad="40000" dist="23000">
+              <a:srgbClr val="000000">
+                <a:alpha val="35000"/>
+              </a:srgbClr>
+            </a:outerShdw>
+          </a:effectLst>
+          <a:scene3d>
+            <a:camera prst="orthographicFront">
+              <a:rot rev="0" lon="0" lat="0"/>
+            </a:camera>
+            <a:lightRig dir="t" rig="threePt">
+              <a:rot rev="1200000" lon="0" lat="0"/>
+            </a:lightRig>
+          </a:scene3d>
+          <a:sp3d>
+            <a:bevelT w="63500" h="25400"/>
+          </a:sp3d>
+        </a:effectStyle>
+      </a:effectStyleLst>
+      <a:bgFillStyleLst>
+        <a:solidFill>
+          <a:schemeClr val="phClr"/>
+        </a:solidFill>
+        <a:gradFill rotWithShape="1">
+          <a:gsLst>
+            <a:gs pos="0">
+              <a:schemeClr val="phClr">
+                <a:tint val="40000"/>
+                <a:satMod val="350000"/>
+              </a:schemeClr>
+            </a:gs>
+            <a:gs pos="40000">
+              <a:schemeClr val="phClr">
+                <a:tint val="45000"/>
+                <a:shade val="99000"/>
+                <a:satMod val="350000"/>
+              </a:schemeClr>
+            </a:gs>
+            <a:gs pos="100000">
+              <a:schemeClr val="phClr">
+                <a:shade val="20000"/>
+                <a:satMod val="255000"/>
+              </a:schemeClr>
+            </a:gs>
+          </a:gsLst>
+          <a:path path="circle">
+            <a:fillToRect t="-80000" b="180000" r="50000" l="50000"/>
+          </a:path>
+        </a:gradFill>
+        <a:gradFill rotWithShape="1">
+          <a:gsLst>
+            <a:gs pos="0">
+              <a:schemeClr val="phClr">
+                <a:tint val="80000"/>
+                <a:satMod val="300000"/>
+              </a:schemeClr>
+            </a:gs>
+            <a:gs pos="100000">
+              <a:schemeClr val="phClr">
+                <a:shade val="30000"/>
+                <a:satMod val="200000"/>
+              </a:schemeClr>
+            </a:gs>
+          </a:gsLst>
+          <a:path path="circle">
+            <a:fillToRect t="50000" b="50000" r="50000" l="50000"/>
+          </a:path>
+        </a:gradFill>
+      </a:bgFillStyleLst>
+    </a:fmtScheme>
+  </a:themeElements>
+</a:theme>
+</file>
+
+<file path=ppt/theme/theme3.xml><?xml version="1.0" encoding="utf-8"?>
 <a:theme xmlns:a="http://schemas.openxmlformats.org/drawingml/2006/main" xmlns:r="http://schemas.openxmlformats.org/officeDocument/2006/relationships" name="Custom Theme">
   <a:themeElements>
     <a:clrScheme name="Default">
@@ -6409,281 +7662,4 @@
     </a:fmtScheme>
   </a:themeElements>
 </a:theme>
-</file>
-
-<file path=ppt/theme/theme3.xml><?xml version="1.0" encoding="utf-8"?>
-<a:theme xmlns:a="http://schemas.openxmlformats.org/drawingml/2006/main" xmlns:r="http://schemas.openxmlformats.org/officeDocument/2006/relationships" name="simple-light">
-  <a:themeElements>
-    <a:clrScheme name="Custom 347">
-      <a:dk1>
-        <a:srgbClr val="000000"/>
-      </a:dk1>
-      <a:lt1>
-        <a:srgbClr val="FFFFFF"/>
-      </a:lt1>
-      <a:dk2>
-        <a:srgbClr val="666666"/>
-      </a:dk2>
-      <a:lt2>
-        <a:srgbClr val="CCCCCC"/>
-      </a:lt2>
-      <a:accent1>
-        <a:srgbClr val="3A81BA"/>
-      </a:accent1>
-      <a:accent2>
-        <a:srgbClr val="D89F39"/>
-      </a:accent2>
-      <a:accent3>
-        <a:srgbClr val="8BAB42"/>
-      </a:accent3>
-      <a:accent4>
-        <a:srgbClr val="57A7B5"/>
-      </a:accent4>
-      <a:accent5>
-        <a:srgbClr val="8B81D2"/>
-      </a:accent5>
-      <a:accent6>
-        <a:srgbClr val="963334"/>
-      </a:accent6>
-      <a:hlink>
-        <a:srgbClr val="1155CC"/>
-      </a:hlink>
-      <a:folHlink>
-        <a:srgbClr val="6611CC"/>
-      </a:folHlink>
-    </a:clrScheme>
-    <a:fontScheme name="Office">
-      <a:majorFont>
-        <a:latin typeface="Arial"/>
-        <a:ea typeface=""/>
-        <a:cs typeface=""/>
-        <a:font typeface="ＭＳ Ｐゴシック" script="Jpan"/>
-        <a:font typeface="맑은 고딕" script="Hang"/>
-        <a:font typeface="宋体" script="Hans"/>
-        <a:font typeface="新細明體" script="Hant"/>
-        <a:font typeface="Times New Roman" script="Arab"/>
-        <a:font typeface="Times New Roman" script="Hebr"/>
-        <a:font typeface="Angsana New" script="Thai"/>
-        <a:font typeface="Nyala" script="Ethi"/>
-        <a:font typeface="Vrinda" script="Beng"/>
-        <a:font typeface="Shruti" script="Gujr"/>
-        <a:font typeface="MoolBoran" script="Khmr"/>
-        <a:font typeface="Tunga" script="Knda"/>
-        <a:font typeface="Raavi" script="Guru"/>
-        <a:font typeface="Euphemia" script="Cans"/>
-        <a:font typeface="Plantagenet Cherokee" script="Cher"/>
-        <a:font typeface="Microsoft Yi Baiti" script="Yiii"/>
-        <a:font typeface="Microsoft Himalaya" script="Tibt"/>
-        <a:font typeface="MV Boli" script="Thaa"/>
-        <a:font typeface="Mangal" script="Deva"/>
-        <a:font typeface="Gautami" script="Telu"/>
-        <a:font typeface="Latha" script="Taml"/>
-        <a:font typeface="Estrangelo Edessa" script="Syrc"/>
-        <a:font typeface="Kalinga" script="Orya"/>
-        <a:font typeface="Kartika" script="Mlym"/>
-        <a:font typeface="DokChampa" script="Laoo"/>
-        <a:font typeface="Iskoola Pota" script="Sinh"/>
-        <a:font typeface="Mongolian Baiti" script="Mong"/>
-        <a:font typeface="Times New Roman" script="Viet"/>
-        <a:font typeface="Microsoft Uighur" script="Uigh"/>
-      </a:majorFont>
-      <a:minorFont>
-        <a:latin typeface="Arial"/>
-        <a:ea typeface=""/>
-        <a:cs typeface=""/>
-        <a:font typeface="ＭＳ Ｐゴシック" script="Jpan"/>
-        <a:font typeface="맑은 고딕" script="Hang"/>
-        <a:font typeface="宋体" script="Hans"/>
-        <a:font typeface="新細明體" script="Hant"/>
-        <a:font typeface="Arial" script="Arab"/>
-        <a:font typeface="Arial" script="Hebr"/>
-        <a:font typeface="Cordia New" script="Thai"/>
-        <a:font typeface="Nyala" script="Ethi"/>
-        <a:font typeface="Vrinda" script="Beng"/>
-        <a:font typeface="Shruti" script="Gujr"/>
-        <a:font typeface="DaunPenh" script="Khmr"/>
-        <a:font typeface="Tunga" script="Knda"/>
-        <a:font typeface="Raavi" script="Guru"/>
-        <a:font typeface="Euphemia" script="Cans"/>
-        <a:font typeface="Plantagenet Cherokee" script="Cher"/>
-        <a:font typeface="Microsoft Yi Baiti" script="Yiii"/>
-        <a:font typeface="Microsoft Himalaya" script="Tibt"/>
-        <a:font typeface="MV Boli" script="Thaa"/>
-        <a:font typeface="Mangal" script="Deva"/>
-        <a:font typeface="Gautami" script="Telu"/>
-        <a:font typeface="Latha" script="Taml"/>
-        <a:font typeface="Estrangelo Edessa" script="Syrc"/>
-        <a:font typeface="Kalinga" script="Orya"/>
-        <a:font typeface="Kartika" script="Mlym"/>
-        <a:font typeface="DokChampa" script="Laoo"/>
-        <a:font typeface="Iskoola Pota" script="Sinh"/>
-        <a:font typeface="Mongolian Baiti" script="Mong"/>
-        <a:font typeface="Arial" script="Viet"/>
-        <a:font typeface="Microsoft Uighur" script="Uigh"/>
-      </a:minorFont>
-    </a:fontScheme>
-    <a:fmtScheme name="Office">
-      <a:fillStyleLst>
-        <a:solidFill>
-          <a:schemeClr val="phClr"/>
-        </a:solidFill>
-        <a:gradFill rotWithShape="1">
-          <a:gsLst>
-            <a:gs pos="0">
-              <a:schemeClr val="phClr">
-                <a:tint val="50000"/>
-                <a:satMod val="300000"/>
-              </a:schemeClr>
-            </a:gs>
-            <a:gs pos="35000">
-              <a:schemeClr val="phClr">
-                <a:tint val="37000"/>
-                <a:satMod val="300000"/>
-              </a:schemeClr>
-            </a:gs>
-            <a:gs pos="100000">
-              <a:schemeClr val="phClr">
-                <a:tint val="15000"/>
-                <a:satMod val="350000"/>
-              </a:schemeClr>
-            </a:gs>
-          </a:gsLst>
-          <a:lin ang="16200000" scaled="1"/>
-        </a:gradFill>
-        <a:gradFill rotWithShape="1">
-          <a:gsLst>
-            <a:gs pos="0">
-              <a:schemeClr val="phClr">
-                <a:tint val="100000"/>
-                <a:shade val="100000"/>
-                <a:satMod val="130000"/>
-              </a:schemeClr>
-            </a:gs>
-            <a:gs pos="100000">
-              <a:schemeClr val="phClr">
-                <a:tint val="50000"/>
-                <a:shade val="100000"/>
-                <a:satMod val="350000"/>
-              </a:schemeClr>
-            </a:gs>
-          </a:gsLst>
-          <a:lin ang="16200000" scaled="0"/>
-        </a:gradFill>
-      </a:fillStyleLst>
-      <a:lnStyleLst>
-        <a:ln w="9525" algn="ctr" cap="flat" cmpd="sng">
-          <a:solidFill>
-            <a:schemeClr val="phClr">
-              <a:shade val="95000"/>
-              <a:satMod val="105000"/>
-            </a:schemeClr>
-          </a:solidFill>
-          <a:prstDash val="solid"/>
-        </a:ln>
-        <a:ln w="25400" algn="ctr" cap="flat" cmpd="sng">
-          <a:solidFill>
-            <a:schemeClr val="phClr"/>
-          </a:solidFill>
-          <a:prstDash val="solid"/>
-        </a:ln>
-        <a:ln w="38100" algn="ctr" cap="flat" cmpd="sng">
-          <a:solidFill>
-            <a:schemeClr val="phClr"/>
-          </a:solidFill>
-          <a:prstDash val="solid"/>
-        </a:ln>
-      </a:lnStyleLst>
-      <a:effectStyleLst>
-        <a:effectStyle>
-          <a:effectLst>
-            <a:outerShdw rotWithShape="0" dir="5400000" blurRad="40000" dist="20000">
-              <a:srgbClr val="000000">
-                <a:alpha val="38000"/>
-              </a:srgbClr>
-            </a:outerShdw>
-          </a:effectLst>
-        </a:effectStyle>
-        <a:effectStyle>
-          <a:effectLst>
-            <a:outerShdw rotWithShape="0" dir="5400000" blurRad="40000" dist="23000">
-              <a:srgbClr val="000000">
-                <a:alpha val="35000"/>
-              </a:srgbClr>
-            </a:outerShdw>
-          </a:effectLst>
-        </a:effectStyle>
-        <a:effectStyle>
-          <a:effectLst>
-            <a:outerShdw rotWithShape="0" dir="5400000" blurRad="40000" dist="23000">
-              <a:srgbClr val="000000">
-                <a:alpha val="35000"/>
-              </a:srgbClr>
-            </a:outerShdw>
-          </a:effectLst>
-          <a:scene3d>
-            <a:camera prst="orthographicFront">
-              <a:rot rev="0" lon="0" lat="0"/>
-            </a:camera>
-            <a:lightRig dir="t" rig="threePt">
-              <a:rot rev="1200000" lon="0" lat="0"/>
-            </a:lightRig>
-          </a:scene3d>
-          <a:sp3d>
-            <a:bevelT w="63500" h="25400"/>
-          </a:sp3d>
-        </a:effectStyle>
-      </a:effectStyleLst>
-      <a:bgFillStyleLst>
-        <a:solidFill>
-          <a:schemeClr val="phClr"/>
-        </a:solidFill>
-        <a:gradFill rotWithShape="1">
-          <a:gsLst>
-            <a:gs pos="0">
-              <a:schemeClr val="phClr">
-                <a:tint val="40000"/>
-                <a:satMod val="350000"/>
-              </a:schemeClr>
-            </a:gs>
-            <a:gs pos="40000">
-              <a:schemeClr val="phClr">
-                <a:tint val="45000"/>
-                <a:shade val="99000"/>
-                <a:satMod val="350000"/>
-              </a:schemeClr>
-            </a:gs>
-            <a:gs pos="100000">
-              <a:schemeClr val="phClr">
-                <a:shade val="20000"/>
-                <a:satMod val="255000"/>
-              </a:schemeClr>
-            </a:gs>
-          </a:gsLst>
-          <a:path path="circle">
-            <a:fillToRect t="-80000" b="180000" r="50000" l="50000"/>
-          </a:path>
-        </a:gradFill>
-        <a:gradFill rotWithShape="1">
-          <a:gsLst>
-            <a:gs pos="0">
-              <a:schemeClr val="phClr">
-                <a:tint val="80000"/>
-                <a:satMod val="300000"/>
-              </a:schemeClr>
-            </a:gs>
-            <a:gs pos="100000">
-              <a:schemeClr val="phClr">
-                <a:shade val="30000"/>
-                <a:satMod val="200000"/>
-              </a:schemeClr>
-            </a:gs>
-          </a:gsLst>
-          <a:path path="circle">
-            <a:fillToRect t="50000" b="50000" r="50000" l="50000"/>
-          </a:path>
-        </a:gradFill>
-      </a:bgFillStyleLst>
-    </a:fmtScheme>
-  </a:themeElements>
-</a:theme>
 </file>